--- a/2404-parkingPricing.pptx
+++ b/2404-parkingPricing.pptx
@@ -5,10 +5,10 @@
     <p:sldMasterId id="2147483648" r:id="rId1"/>
   </p:sldMasterIdLst>
   <p:notesMasterIdLst>
-    <p:notesMasterId r:id="rId24"/>
+    <p:notesMasterId r:id="rId25"/>
   </p:notesMasterIdLst>
   <p:handoutMasterIdLst>
-    <p:handoutMasterId r:id="rId25"/>
+    <p:handoutMasterId r:id="rId26"/>
   </p:handoutMasterIdLst>
   <p:sldIdLst>
     <p:sldId id="270" r:id="rId2"/>
@@ -25,14 +25,15 @@
     <p:sldId id="293" r:id="rId13"/>
     <p:sldId id="294" r:id="rId14"/>
     <p:sldId id="295" r:id="rId15"/>
-    <p:sldId id="261" r:id="rId16"/>
-    <p:sldId id="260" r:id="rId17"/>
-    <p:sldId id="268" r:id="rId18"/>
-    <p:sldId id="262" r:id="rId19"/>
-    <p:sldId id="281" r:id="rId20"/>
-    <p:sldId id="298" r:id="rId21"/>
-    <p:sldId id="297" r:id="rId22"/>
-    <p:sldId id="296" r:id="rId23"/>
+    <p:sldId id="299" r:id="rId16"/>
+    <p:sldId id="261" r:id="rId17"/>
+    <p:sldId id="260" r:id="rId18"/>
+    <p:sldId id="268" r:id="rId19"/>
+    <p:sldId id="262" r:id="rId20"/>
+    <p:sldId id="281" r:id="rId21"/>
+    <p:sldId id="298" r:id="rId22"/>
+    <p:sldId id="297" r:id="rId23"/>
+    <p:sldId id="296" r:id="rId24"/>
   </p:sldIdLst>
   <p:sldSz cx="12192000" cy="6858000"/>
   <p:notesSz cx="6805613" cy="9939338"/>
@@ -224,7 +225,7 @@
           <a:p>
             <a:fld id="{770F5CD0-F302-4CC7-BE79-B338993F3CC4}" type="datetimeFigureOut">
               <a:rPr lang="en-US" smtClean="0"/>
-              <a:t>4/24/2024</a:t>
+              <a:t>4/26/2024</a:t>
             </a:fld>
             <a:endParaRPr lang="en-US"/>
           </a:p>
@@ -389,7 +390,7 @@
           <a:p>
             <a:fld id="{6A2B2D66-1975-4E83-8EF3-59B2DA23E68B}" type="datetimeFigureOut">
               <a:rPr lang="en-US" smtClean="0"/>
-              <a:t>4/24/2024</a:t>
+              <a:t>4/26/2024</a:t>
             </a:fld>
             <a:endParaRPr lang="en-US"/>
           </a:p>
@@ -825,7 +826,7 @@
           <a:p>
             <a:fld id="{FABF08CD-1811-4EF5-9925-2B278A90E7D7}" type="slidenum">
               <a:rPr lang="en-US" smtClean="0"/>
-              <a:t>19</a:t>
+              <a:t>15</a:t>
             </a:fld>
             <a:endParaRPr lang="en-US"/>
           </a:p>
@@ -834,7 +835,7 @@
     </p:spTree>
     <p:extLst>
       <p:ext uri="{BB962C8B-B14F-4D97-AF65-F5344CB8AC3E}">
-        <p14:creationId xmlns:p14="http://schemas.microsoft.com/office/powerpoint/2010/main" val="2959119467"/>
+        <p14:creationId xmlns:p14="http://schemas.microsoft.com/office/powerpoint/2010/main" val="2717614351"/>
       </p:ext>
     </p:extLst>
   </p:cSld>
@@ -918,7 +919,7 @@
     </p:spTree>
     <p:extLst>
       <p:ext uri="{BB962C8B-B14F-4D97-AF65-F5344CB8AC3E}">
-        <p14:creationId xmlns:p14="http://schemas.microsoft.com/office/powerpoint/2010/main" val="2029738146"/>
+        <p14:creationId xmlns:p14="http://schemas.microsoft.com/office/powerpoint/2010/main" val="2959119467"/>
       </p:ext>
     </p:extLst>
   </p:cSld>
@@ -994,6 +995,90 @@
             <a:fld id="{FABF08CD-1811-4EF5-9925-2B278A90E7D7}" type="slidenum">
               <a:rPr lang="en-US" smtClean="0"/>
               <a:t>21</a:t>
+            </a:fld>
+            <a:endParaRPr lang="en-US"/>
+          </a:p>
+        </p:txBody>
+      </p:sp>
+    </p:spTree>
+    <p:extLst>
+      <p:ext uri="{BB962C8B-B14F-4D97-AF65-F5344CB8AC3E}">
+        <p14:creationId xmlns:p14="http://schemas.microsoft.com/office/powerpoint/2010/main" val="2029738146"/>
+      </p:ext>
+    </p:extLst>
+  </p:cSld>
+  <p:clrMapOvr>
+    <a:masterClrMapping/>
+  </p:clrMapOvr>
+</p:notes>
+</file>
+
+<file path=ppt/notesSlides/notesSlide13.xml><?xml version="1.0" encoding="utf-8"?>
+<p:notes xmlns:a="http://schemas.openxmlformats.org/drawingml/2006/main" xmlns:r="http://schemas.openxmlformats.org/officeDocument/2006/relationships" xmlns:p="http://schemas.openxmlformats.org/presentationml/2006/main">
+  <p:cSld>
+    <p:spTree>
+      <p:nvGrpSpPr>
+        <p:cNvPr id="1" name=""/>
+        <p:cNvGrpSpPr/>
+        <p:nvPr/>
+      </p:nvGrpSpPr>
+      <p:grpSpPr>
+        <a:xfrm>
+          <a:off x="0" y="0"/>
+          <a:ext cx="0" cy="0"/>
+          <a:chOff x="0" y="0"/>
+          <a:chExt cx="0" cy="0"/>
+        </a:xfrm>
+      </p:grpSpPr>
+      <p:sp>
+        <p:nvSpPr>
+          <p:cNvPr id="2" name="幻灯片图像占位符 1"/>
+          <p:cNvSpPr>
+            <a:spLocks noGrp="1" noRot="1" noChangeAspect="1"/>
+          </p:cNvSpPr>
+          <p:nvPr>
+            <p:ph type="sldImg"/>
+          </p:nvPr>
+        </p:nvSpPr>
+        <p:spPr/>
+      </p:sp>
+      <p:sp>
+        <p:nvSpPr>
+          <p:cNvPr id="3" name="备注占位符 2"/>
+          <p:cNvSpPr>
+            <a:spLocks noGrp="1"/>
+          </p:cNvSpPr>
+          <p:nvPr>
+            <p:ph type="body" idx="1"/>
+          </p:nvPr>
+        </p:nvSpPr>
+        <p:spPr/>
+        <p:txBody>
+          <a:bodyPr/>
+          <a:lstStyle/>
+          <a:p>
+            <a:endParaRPr lang="en-US" dirty="0"/>
+          </a:p>
+        </p:txBody>
+      </p:sp>
+      <p:sp>
+        <p:nvSpPr>
+          <p:cNvPr id="4" name="灯片编号占位符 3"/>
+          <p:cNvSpPr>
+            <a:spLocks noGrp="1"/>
+          </p:cNvSpPr>
+          <p:nvPr>
+            <p:ph type="sldNum" sz="quarter" idx="10"/>
+          </p:nvPr>
+        </p:nvSpPr>
+        <p:spPr/>
+        <p:txBody>
+          <a:bodyPr/>
+          <a:lstStyle/>
+          <a:p>
+            <a:fld id="{FABF08CD-1811-4EF5-9925-2B278A90E7D7}" type="slidenum">
+              <a:rPr lang="en-US" smtClean="0"/>
+              <a:t>22</a:t>
             </a:fld>
             <a:endParaRPr lang="en-US"/>
           </a:p>
@@ -1861,7 +1946,7 @@
           <a:p>
             <a:fld id="{701846CD-220F-4474-96C9-8CB5FFF34221}" type="datetimeFigureOut">
               <a:rPr lang="en-US" smtClean="0"/>
-              <a:t>4/24/2024</a:t>
+              <a:t>4/26/2024</a:t>
             </a:fld>
             <a:endParaRPr lang="en-US"/>
           </a:p>
@@ -2072,7 +2157,7 @@
           <a:p>
             <a:fld id="{701846CD-220F-4474-96C9-8CB5FFF34221}" type="datetimeFigureOut">
               <a:rPr lang="en-US" smtClean="0"/>
-              <a:t>4/24/2024</a:t>
+              <a:t>4/26/2024</a:t>
             </a:fld>
             <a:endParaRPr lang="en-US"/>
           </a:p>
@@ -2276,7 +2361,7 @@
           <a:p>
             <a:fld id="{701846CD-220F-4474-96C9-8CB5FFF34221}" type="datetimeFigureOut">
               <a:rPr lang="en-US" smtClean="0"/>
-              <a:t>4/24/2024</a:t>
+              <a:t>4/26/2024</a:t>
             </a:fld>
             <a:endParaRPr lang="en-US"/>
           </a:p>
@@ -2502,7 +2587,7 @@
           <a:p>
             <a:fld id="{701846CD-220F-4474-96C9-8CB5FFF34221}" type="datetimeFigureOut">
               <a:rPr lang="en-US" smtClean="0"/>
-              <a:t>4/24/2024</a:t>
+              <a:t>4/26/2024</a:t>
             </a:fld>
             <a:endParaRPr lang="en-US"/>
           </a:p>
@@ -2775,7 +2860,7 @@
           <a:p>
             <a:fld id="{701846CD-220F-4474-96C9-8CB5FFF34221}" type="datetimeFigureOut">
               <a:rPr lang="en-US" smtClean="0"/>
-              <a:t>4/24/2024</a:t>
+              <a:t>4/26/2024</a:t>
             </a:fld>
             <a:endParaRPr lang="en-US"/>
           </a:p>
@@ -3031,7 +3116,7 @@
           <a:p>
             <a:fld id="{701846CD-220F-4474-96C9-8CB5FFF34221}" type="datetimeFigureOut">
               <a:rPr lang="en-US" smtClean="0"/>
-              <a:t>4/24/2024</a:t>
+              <a:t>4/26/2024</a:t>
             </a:fld>
             <a:endParaRPr lang="en-US"/>
           </a:p>
@@ -3422,7 +3507,7 @@
           <a:p>
             <a:fld id="{701846CD-220F-4474-96C9-8CB5FFF34221}" type="datetimeFigureOut">
               <a:rPr lang="en-US" smtClean="0"/>
-              <a:t>4/24/2024</a:t>
+              <a:t>4/26/2024</a:t>
             </a:fld>
             <a:endParaRPr lang="en-US"/>
           </a:p>
@@ -3564,7 +3649,7 @@
           <a:p>
             <a:fld id="{701846CD-220F-4474-96C9-8CB5FFF34221}" type="datetimeFigureOut">
               <a:rPr lang="en-US" smtClean="0"/>
-              <a:t>4/24/2024</a:t>
+              <a:t>4/26/2024</a:t>
             </a:fld>
             <a:endParaRPr lang="en-US"/>
           </a:p>
@@ -3683,7 +3768,7 @@
           <a:p>
             <a:fld id="{701846CD-220F-4474-96C9-8CB5FFF34221}" type="datetimeFigureOut">
               <a:rPr lang="en-US" smtClean="0"/>
-              <a:t>4/24/2024</a:t>
+              <a:t>4/26/2024</a:t>
             </a:fld>
             <a:endParaRPr lang="en-US"/>
           </a:p>
@@ -3984,7 +4069,7 @@
           <a:p>
             <a:fld id="{701846CD-220F-4474-96C9-8CB5FFF34221}" type="datetimeFigureOut">
               <a:rPr lang="en-US" smtClean="0"/>
-              <a:t>4/24/2024</a:t>
+              <a:t>4/26/2024</a:t>
             </a:fld>
             <a:endParaRPr lang="en-US"/>
           </a:p>
@@ -4261,7 +4346,7 @@
           <a:p>
             <a:fld id="{701846CD-220F-4474-96C9-8CB5FFF34221}" type="datetimeFigureOut">
               <a:rPr lang="en-US" smtClean="0"/>
-              <a:t>4/24/2024</a:t>
+              <a:t>4/26/2024</a:t>
             </a:fld>
             <a:endParaRPr lang="en-US"/>
           </a:p>
@@ -5018,15 +5103,7 @@
             </a:r>
             <a:r>
               <a:rPr lang="zh-CN" altLang="en-US" b="1" dirty="0" smtClean="0"/>
-              <a:t>基于客户</a:t>
-            </a:r>
-            <a:r>
-              <a:rPr lang="zh-CN" altLang="en-US" b="1" dirty="0" smtClean="0"/>
-              <a:t>数据、行为、算法</a:t>
-            </a:r>
-            <a:r>
-              <a:rPr lang="zh-CN" altLang="en-US" b="1" dirty="0" smtClean="0"/>
-              <a:t>和空间模型</a:t>
+              <a:t>基于客户数据、行为、算法和空间模型</a:t>
             </a:r>
             <a:r>
               <a:rPr lang="zh-CN" altLang="en-US" b="1" dirty="0"/>
@@ -5038,11 +5115,7 @@
             </a:r>
             <a:r>
               <a:rPr lang="zh-CN" altLang="en-US" b="1" u="sng" dirty="0" smtClean="0"/>
-              <a:t>定价</a:t>
-            </a:r>
-            <a:r>
-              <a:rPr lang="zh-CN" altLang="en-US" b="1" u="sng" dirty="0" smtClean="0"/>
-              <a:t>工具</a:t>
+              <a:t>定价工具</a:t>
             </a:r>
             <a:r>
               <a:rPr lang="zh-CN" altLang="en-US" b="1" dirty="0" smtClean="0"/>
@@ -8613,30 +8686,38 @@
             </a:r>
             <a:r>
               <a:rPr lang="zh-CN" altLang="en-US" dirty="0" smtClean="0"/>
-              <a:t>模拟过程</a:t>
+              <a:t>功能</a:t>
             </a:r>
             <a:r>
               <a:rPr lang="en-US" altLang="zh-CN" dirty="0" smtClean="0"/>
               <a:t>】</a:t>
             </a:r>
+            <a:r>
+              <a:rPr lang="zh-CN" altLang="en-US" dirty="0" smtClean="0"/>
+              <a:t>：预测、</a:t>
+            </a:r>
+            <a:r>
+              <a:rPr lang="zh-CN" altLang="en-US" dirty="0" smtClean="0"/>
+              <a:t>比较前期地库方案之间的销售表现差异</a:t>
+            </a:r>
             <a:endParaRPr lang="en-US" dirty="0"/>
           </a:p>
         </p:txBody>
       </p:sp>
       <p:sp>
         <p:nvSpPr>
-          <p:cNvPr id="5" name="内容占位符 4"/>
-          <p:cNvSpPr>
-            <a:spLocks noGrp="1"/>
-          </p:cNvSpPr>
-          <p:nvPr>
-            <p:ph idx="1"/>
+          <p:cNvPr id="6" name="文本占位符 5"/>
+          <p:cNvSpPr>
+            <a:spLocks noGrp="1"/>
+          </p:cNvSpPr>
+          <p:nvPr>
+            <p:ph type="body" sz="half" idx="2"/>
           </p:nvPr>
         </p:nvSpPr>
         <p:spPr>
           <a:xfrm>
-            <a:off x="838200" y="1165566"/>
-            <a:ext cx="10515600" cy="5193670"/>
+            <a:off x="4989932" y="579119"/>
+            <a:ext cx="6269672" cy="1710509"/>
           </a:xfrm>
         </p:spPr>
         <p:txBody>
@@ -8645,195 +8726,143 @@
           </a:bodyPr>
           <a:lstStyle/>
           <a:p>
-            <a:pPr marL="457200" indent="-457200">
-              <a:buFont typeface="+mj-lt"/>
-              <a:buAutoNum type="arabicPeriod"/>
-            </a:pPr>
-            <a:r>
-              <a:rPr lang="zh-CN" altLang="en-US" dirty="0" smtClean="0"/>
-              <a:t>建模：</a:t>
-            </a:r>
-            <a:endParaRPr lang="en-US" altLang="zh-CN" dirty="0" smtClean="0"/>
-          </a:p>
-          <a:p>
-            <a:pPr marL="914400" lvl="1" indent="-457200">
-              <a:buFont typeface="+mj-lt"/>
-              <a:buAutoNum type="arabicPeriod"/>
-            </a:pPr>
-            <a:r>
-              <a:rPr lang="zh-CN" altLang="en-US" dirty="0" smtClean="0"/>
-              <a:t>空间建模：</a:t>
-            </a:r>
-            <a:endParaRPr lang="en-US" altLang="zh-CN" dirty="0" smtClean="0"/>
-          </a:p>
-          <a:p>
-            <a:pPr lvl="2"/>
-            <a:r>
-              <a:rPr lang="zh-CN" altLang="en-US" dirty="0" smtClean="0"/>
-              <a:t>车位位置、车位尺寸类型的标注；</a:t>
-            </a:r>
-            <a:endParaRPr lang="en-US" altLang="zh-CN" dirty="0" smtClean="0"/>
-          </a:p>
-          <a:p>
-            <a:pPr lvl="2"/>
-            <a:r>
-              <a:rPr lang="zh-CN" altLang="en-US" dirty="0" smtClean="0"/>
-              <a:t>单元楼电梯间</a:t>
-            </a:r>
-            <a:r>
-              <a:rPr lang="zh-CN" altLang="en-US" dirty="0"/>
-              <a:t>标注</a:t>
-            </a:r>
-            <a:r>
-              <a:rPr lang="zh-CN" altLang="en-US" dirty="0" smtClean="0"/>
-              <a:t>；</a:t>
-            </a:r>
-            <a:endParaRPr lang="en-US" altLang="zh-CN" dirty="0" smtClean="0"/>
-          </a:p>
-          <a:p>
-            <a:pPr lvl="2"/>
-            <a:r>
-              <a:rPr lang="zh-CN" altLang="en-US" dirty="0" smtClean="0"/>
-              <a:t>转换电梯位置标注；</a:t>
-            </a:r>
-            <a:endParaRPr lang="en-US" altLang="zh-CN" dirty="0" smtClean="0"/>
-          </a:p>
-          <a:p>
-            <a:pPr lvl="2"/>
-            <a:r>
-              <a:rPr lang="zh-CN" altLang="en-US" dirty="0" smtClean="0"/>
-              <a:t>园区人行出入口位置</a:t>
-            </a:r>
-            <a:r>
-              <a:rPr lang="zh-CN" altLang="en-US" dirty="0"/>
-              <a:t>标注</a:t>
-            </a:r>
-            <a:r>
-              <a:rPr lang="zh-CN" altLang="en-US" dirty="0" smtClean="0"/>
-              <a:t>；</a:t>
-            </a:r>
-            <a:endParaRPr lang="en-US" altLang="zh-CN" dirty="0" smtClean="0"/>
-          </a:p>
-          <a:p>
-            <a:pPr marL="914400" lvl="1" indent="-457200">
-              <a:buFont typeface="+mj-lt"/>
-              <a:buAutoNum type="arabicPeriod"/>
-            </a:pPr>
-            <a:r>
-              <a:rPr lang="zh-CN" altLang="en-US" dirty="0" smtClean="0"/>
-              <a:t>图纸整理：整理成</a:t>
-            </a:r>
-            <a:r>
-              <a:rPr lang="en-US" altLang="zh-CN" dirty="0" smtClean="0"/>
-              <a:t>AI</a:t>
-            </a:r>
-            <a:r>
-              <a:rPr lang="zh-CN" altLang="en-US" dirty="0" smtClean="0"/>
-              <a:t>可以接受的图纸格式，进行编码；</a:t>
-            </a:r>
-            <a:endParaRPr lang="en-US" altLang="zh-CN" dirty="0" smtClean="0"/>
-          </a:p>
-          <a:p>
-            <a:pPr marL="914400" lvl="1" indent="-457200">
-              <a:buFont typeface="+mj-lt"/>
-              <a:buAutoNum type="arabicPeriod"/>
-            </a:pPr>
-            <a:r>
-              <a:rPr lang="zh-CN" altLang="en-US" dirty="0" smtClean="0"/>
-              <a:t>客户建模：</a:t>
-            </a:r>
-            <a:r>
-              <a:rPr lang="zh-CN" altLang="en-US" dirty="0"/>
-              <a:t>通过调研结果和</a:t>
-            </a:r>
-            <a:r>
-              <a:rPr lang="zh-CN" altLang="en-US" dirty="0" smtClean="0"/>
-              <a:t>统计规律给每个单元的每个客户建模；</a:t>
-            </a:r>
-            <a:endParaRPr lang="en-US" altLang="zh-CN" dirty="0" smtClean="0"/>
-          </a:p>
-          <a:p>
-            <a:pPr marL="457200" indent="-457200">
-              <a:buFont typeface="+mj-lt"/>
-              <a:buAutoNum type="arabicPeriod"/>
-            </a:pPr>
-            <a:r>
-              <a:rPr lang="zh-CN" altLang="en-US" dirty="0" smtClean="0"/>
-              <a:t>模拟：</a:t>
-            </a:r>
-            <a:endParaRPr lang="en-US" altLang="zh-CN" dirty="0" smtClean="0"/>
-          </a:p>
-          <a:p>
-            <a:pPr marL="914400" lvl="1" indent="-457200">
-              <a:buFont typeface="+mj-lt"/>
-              <a:buAutoNum type="arabicPeriod"/>
-            </a:pPr>
-            <a:r>
-              <a:rPr lang="zh-CN" altLang="en-US" dirty="0" smtClean="0"/>
-              <a:t>选购多方博弈过程模拟；</a:t>
-            </a:r>
-            <a:endParaRPr lang="en-US" altLang="zh-CN" dirty="0" smtClean="0"/>
-          </a:p>
-          <a:p>
-            <a:pPr marL="914400" lvl="1" indent="-457200">
-              <a:buFont typeface="+mj-lt"/>
-              <a:buAutoNum type="arabicPeriod"/>
-            </a:pPr>
-            <a:r>
-              <a:rPr lang="zh-CN" altLang="en-US" dirty="0" smtClean="0"/>
-              <a:t>分期，销控手段的模拟；出售比例要求，这些都影响定价策略；</a:t>
-            </a:r>
-            <a:endParaRPr lang="en-US" altLang="zh-CN" dirty="0"/>
-          </a:p>
-          <a:p>
-            <a:pPr marL="914400" lvl="1" indent="-457200">
-              <a:buFont typeface="+mj-lt"/>
-              <a:buAutoNum type="arabicPeriod"/>
-            </a:pPr>
-            <a:r>
-              <a:rPr lang="zh-CN" altLang="en-US" dirty="0" smtClean="0"/>
-              <a:t>考虑客户感受，风险管控，避免各期价格过大波动。</a:t>
-            </a:r>
-            <a:endParaRPr lang="en-US" altLang="zh-CN" dirty="0" smtClean="0"/>
-          </a:p>
-          <a:p>
-            <a:pPr marL="457200" indent="-457200">
-              <a:buFont typeface="+mj-lt"/>
-              <a:buAutoNum type="arabicPeriod"/>
-            </a:pPr>
-            <a:r>
-              <a:rPr lang="zh-CN" altLang="en-US" dirty="0" smtClean="0"/>
-              <a:t>检查模型和项目现实匹配度，并调整参数</a:t>
-            </a:r>
-            <a:r>
-              <a:rPr lang="zh-CN" altLang="en-US" dirty="0" smtClean="0"/>
-              <a:t>。</a:t>
-            </a:r>
-            <a:endParaRPr lang="en-US" altLang="zh-CN" dirty="0" smtClean="0"/>
-          </a:p>
-          <a:p>
-            <a:pPr marL="457200" indent="-457200">
-              <a:buFont typeface="+mj-lt"/>
-              <a:buAutoNum type="arabicPeriod"/>
-            </a:pPr>
-            <a:r>
-              <a:rPr lang="zh-CN" altLang="en-US" dirty="0" smtClean="0"/>
-              <a:t>重复模拟。</a:t>
-            </a:r>
-            <a:endParaRPr lang="en-US" altLang="zh-CN" dirty="0" smtClean="0"/>
-          </a:p>
-          <a:p>
-            <a:pPr marL="0" indent="0">
-              <a:buNone/>
-            </a:pPr>
-            <a:endParaRPr lang="en-US" altLang="zh-CN" dirty="0" smtClean="0"/>
-          </a:p>
-        </p:txBody>
-      </p:sp>
+            <a:pPr marL="0" lvl="1"/>
+            <a:r>
+              <a:rPr lang="zh-CN" altLang="en-US" sz="1600" dirty="0" smtClean="0"/>
+              <a:t>方案比较：</a:t>
+            </a:r>
+            <a:endParaRPr lang="en-US" altLang="zh-CN" sz="1600" dirty="0" smtClean="0"/>
+          </a:p>
+          <a:p>
+            <a:pPr marL="0" lvl="1"/>
+            <a:r>
+              <a:rPr lang="zh-CN" altLang="en-US" sz="1600" dirty="0" smtClean="0"/>
+              <a:t>由于土方、挡墙方面的差异，右方案成本高出左方案</a:t>
+            </a:r>
+            <a:r>
+              <a:rPr lang="en-US" altLang="zh-CN" sz="1600" dirty="0" smtClean="0"/>
+              <a:t>84</a:t>
+            </a:r>
+            <a:r>
+              <a:rPr lang="zh-CN" altLang="en-US" sz="1600" dirty="0" smtClean="0"/>
+              <a:t>万；但是左方案部分楼座无法直达地库导致的价值折损数值大致</a:t>
+            </a:r>
+            <a:endParaRPr lang="en-US" altLang="zh-CN" sz="1600" dirty="0"/>
+          </a:p>
+        </p:txBody>
+      </p:sp>
+      <p:pic>
+        <p:nvPicPr>
+          <p:cNvPr id="7" name="图片 6"/>
+          <p:cNvPicPr>
+            <a:picLocks noChangeAspect="1"/>
+          </p:cNvPicPr>
+          <p:nvPr/>
+        </p:nvPicPr>
+        <p:blipFill>
+          <a:blip r:embed="rId3" cstate="print">
+            <a:extLst>
+              <a:ext uri="{28A0092B-C50C-407E-A947-70E740481C1C}">
+                <a14:useLocalDpi xmlns:a14="http://schemas.microsoft.com/office/drawing/2010/main" val="0"/>
+              </a:ext>
+            </a:extLst>
+          </a:blip>
+          <a:stretch>
+            <a:fillRect/>
+          </a:stretch>
+        </p:blipFill>
+        <p:spPr>
+          <a:xfrm>
+            <a:off x="8328989" y="2230911"/>
+            <a:ext cx="3187767" cy="3193143"/>
+          </a:xfrm>
+          <a:prstGeom prst="rect">
+            <a:avLst/>
+          </a:prstGeom>
+        </p:spPr>
+      </p:pic>
+      <p:pic>
+        <p:nvPicPr>
+          <p:cNvPr id="8" name="图片 7"/>
+          <p:cNvPicPr>
+            <a:picLocks noChangeAspect="1"/>
+          </p:cNvPicPr>
+          <p:nvPr/>
+        </p:nvPicPr>
+        <p:blipFill>
+          <a:blip r:embed="rId4" cstate="print">
+            <a:extLst>
+              <a:ext uri="{28A0092B-C50C-407E-A947-70E740481C1C}">
+                <a14:useLocalDpi xmlns:a14="http://schemas.microsoft.com/office/drawing/2010/main" val="0"/>
+              </a:ext>
+            </a:extLst>
+          </a:blip>
+          <a:stretch>
+            <a:fillRect/>
+          </a:stretch>
+        </p:blipFill>
+        <p:spPr>
+          <a:xfrm>
+            <a:off x="4937001" y="2230911"/>
+            <a:ext cx="3187767" cy="3193143"/>
+          </a:xfrm>
+          <a:prstGeom prst="rect">
+            <a:avLst/>
+          </a:prstGeom>
+        </p:spPr>
+      </p:pic>
+      <p:pic>
+        <p:nvPicPr>
+          <p:cNvPr id="11" name="图片 10"/>
+          <p:cNvPicPr>
+            <a:picLocks noChangeAspect="1"/>
+          </p:cNvPicPr>
+          <p:nvPr/>
+        </p:nvPicPr>
+        <p:blipFill>
+          <a:blip r:embed="rId5"/>
+          <a:stretch>
+            <a:fillRect/>
+          </a:stretch>
+        </p:blipFill>
+        <p:spPr>
+          <a:xfrm>
+            <a:off x="8328989" y="5659261"/>
+            <a:ext cx="3187767" cy="581978"/>
+          </a:xfrm>
+          <a:prstGeom prst="rect">
+            <a:avLst/>
+          </a:prstGeom>
+        </p:spPr>
+      </p:pic>
+      <p:pic>
+        <p:nvPicPr>
+          <p:cNvPr id="12" name="图片 11"/>
+          <p:cNvPicPr>
+            <a:picLocks noChangeAspect="1"/>
+          </p:cNvPicPr>
+          <p:nvPr/>
+        </p:nvPicPr>
+        <p:blipFill>
+          <a:blip r:embed="rId6"/>
+          <a:stretch>
+            <a:fillRect/>
+          </a:stretch>
+        </p:blipFill>
+        <p:spPr>
+          <a:xfrm>
+            <a:off x="4937001" y="5536020"/>
+            <a:ext cx="2236368" cy="705219"/>
+          </a:xfrm>
+          <a:prstGeom prst="rect">
+            <a:avLst/>
+          </a:prstGeom>
+        </p:spPr>
+      </p:pic>
     </p:spTree>
     <p:extLst>
       <p:ext uri="{BB962C8B-B14F-4D97-AF65-F5344CB8AC3E}">
-        <p14:creationId xmlns:p14="http://schemas.microsoft.com/office/powerpoint/2010/main" val="311261492"/>
+        <p14:creationId xmlns:p14="http://schemas.microsoft.com/office/powerpoint/2010/main" val="1769191494"/>
       </p:ext>
     </p:extLst>
   </p:cSld>
@@ -8890,7 +8919,7 @@
             </a:r>
             <a:r>
               <a:rPr lang="zh-CN" altLang="en-US" dirty="0" smtClean="0"/>
-              <a:t>调研事项和输入条件收集</a:t>
+              <a:t>模拟过程</a:t>
             </a:r>
             <a:r>
               <a:rPr lang="en-US" altLang="zh-CN" dirty="0" smtClean="0"/>
@@ -8910,10 +8939,15 @@
             <p:ph idx="1"/>
           </p:nvPr>
         </p:nvSpPr>
-        <p:spPr/>
+        <p:spPr>
+          <a:xfrm>
+            <a:off x="838200" y="1165566"/>
+            <a:ext cx="10515600" cy="5193670"/>
+          </a:xfrm>
+        </p:spPr>
         <p:txBody>
           <a:bodyPr>
-            <a:normAutofit fontScale="92500" lnSpcReduction="10000"/>
+            <a:normAutofit/>
           </a:bodyPr>
           <a:lstStyle/>
           <a:p>
@@ -8922,12 +8956,8 @@
               <a:buAutoNum type="arabicPeriod"/>
             </a:pPr>
             <a:r>
-              <a:rPr lang="zh-CN" altLang="en-US" dirty="0"/>
-              <a:t>方案基础</a:t>
-            </a:r>
-            <a:r>
-              <a:rPr lang="zh-CN" altLang="en-US" dirty="0" smtClean="0"/>
-              <a:t>信息：</a:t>
+              <a:rPr lang="zh-CN" altLang="en-US" dirty="0" smtClean="0"/>
+              <a:t>建模：</a:t>
             </a:r>
             <a:endParaRPr lang="en-US" altLang="zh-CN" dirty="0" smtClean="0"/>
           </a:p>
@@ -8937,15 +8967,55 @@
               <a:buAutoNum type="arabicPeriod"/>
             </a:pPr>
             <a:r>
+              <a:rPr lang="zh-CN" altLang="en-US" dirty="0" smtClean="0"/>
+              <a:t>空间建模：</a:t>
+            </a:r>
+            <a:endParaRPr lang="en-US" altLang="zh-CN" dirty="0" smtClean="0"/>
+          </a:p>
+          <a:p>
+            <a:pPr lvl="2"/>
+            <a:r>
+              <a:rPr lang="zh-CN" altLang="en-US" dirty="0" smtClean="0"/>
+              <a:t>车位位置、车位尺寸类型的标注；</a:t>
+            </a:r>
+            <a:endParaRPr lang="en-US" altLang="zh-CN" dirty="0" smtClean="0"/>
+          </a:p>
+          <a:p>
+            <a:pPr lvl="2"/>
+            <a:r>
+              <a:rPr lang="zh-CN" altLang="en-US" dirty="0" smtClean="0"/>
+              <a:t>单元楼电梯间</a:t>
+            </a:r>
+            <a:r>
               <a:rPr lang="zh-CN" altLang="en-US" dirty="0"/>
-              <a:t>各单元户数，每户单价、</a:t>
-            </a:r>
-            <a:r>
-              <a:rPr lang="zh-CN" altLang="en-US" dirty="0" smtClean="0"/>
-              <a:t>总价</a:t>
+              <a:t>标注</a:t>
+            </a:r>
+            <a:r>
+              <a:rPr lang="zh-CN" altLang="en-US" dirty="0" smtClean="0"/>
+              <a:t>；</a:t>
+            </a:r>
+            <a:endParaRPr lang="en-US" altLang="zh-CN" dirty="0" smtClean="0"/>
+          </a:p>
+          <a:p>
+            <a:pPr lvl="2"/>
+            <a:r>
+              <a:rPr lang="zh-CN" altLang="en-US" dirty="0" smtClean="0"/>
+              <a:t>转换电梯位置标注；</a:t>
+            </a:r>
+            <a:endParaRPr lang="en-US" altLang="zh-CN" dirty="0" smtClean="0"/>
+          </a:p>
+          <a:p>
+            <a:pPr lvl="2"/>
+            <a:r>
+              <a:rPr lang="zh-CN" altLang="en-US" dirty="0" smtClean="0"/>
+              <a:t>园区人行出入口位置</a:t>
             </a:r>
             <a:r>
               <a:rPr lang="zh-CN" altLang="en-US" dirty="0"/>
+              <a:t>标注</a:t>
+            </a:r>
+            <a:r>
+              <a:rPr lang="zh-CN" altLang="en-US" dirty="0" smtClean="0"/>
               <a:t>；</a:t>
             </a:r>
             <a:endParaRPr lang="en-US" altLang="zh-CN" dirty="0" smtClean="0"/>
@@ -8957,19 +9027,34 @@
             </a:pPr>
             <a:r>
               <a:rPr lang="zh-CN" altLang="en-US" dirty="0" smtClean="0"/>
-              <a:t>已</a:t>
+              <a:t>图纸整理：整理成</a:t>
+            </a:r>
+            <a:r>
+              <a:rPr lang="en-US" altLang="zh-CN" dirty="0" smtClean="0"/>
+              <a:t>AI</a:t>
+            </a:r>
+            <a:r>
+              <a:rPr lang="zh-CN" altLang="en-US" dirty="0" smtClean="0"/>
+              <a:t>可以接受的图纸格式，进行编码；</a:t>
+            </a:r>
+            <a:endParaRPr lang="en-US" altLang="zh-CN" dirty="0" smtClean="0"/>
+          </a:p>
+          <a:p>
+            <a:pPr marL="914400" lvl="1" indent="-457200">
+              <a:buFont typeface="+mj-lt"/>
+              <a:buAutoNum type="arabicPeriod"/>
+            </a:pPr>
+            <a:r>
+              <a:rPr lang="zh-CN" altLang="en-US" dirty="0" smtClean="0"/>
+              <a:t>客户建模：</a:t>
             </a:r>
             <a:r>
               <a:rPr lang="zh-CN" altLang="en-US" dirty="0"/>
-              <a:t>售出每户</a:t>
-            </a:r>
-            <a:r>
-              <a:rPr lang="zh-CN" altLang="en-US" dirty="0" smtClean="0"/>
-              <a:t>客户调研和数据</a:t>
-            </a:r>
-            <a:r>
-              <a:rPr lang="zh-CN" altLang="en-US" dirty="0" smtClean="0"/>
-              <a:t>；</a:t>
+              <a:t>通过调研结果和</a:t>
+            </a:r>
+            <a:r>
+              <a:rPr lang="zh-CN" altLang="en-US" dirty="0" smtClean="0"/>
+              <a:t>统计规律给每个单元的每个客户建模；</a:t>
             </a:r>
             <a:endParaRPr lang="en-US" altLang="zh-CN" dirty="0" smtClean="0"/>
           </a:p>
@@ -8980,7 +9065,7 @@
             </a:pPr>
             <a:r>
               <a:rPr lang="zh-CN" altLang="en-US" dirty="0" smtClean="0"/>
-              <a:t>对成交客户的统计和访谈：</a:t>
+              <a:t>模拟：</a:t>
             </a:r>
             <a:endParaRPr lang="en-US" altLang="zh-CN" dirty="0" smtClean="0"/>
           </a:p>
@@ -8991,7 +9076,7 @@
             </a:pPr>
             <a:r>
               <a:rPr lang="zh-CN" altLang="en-US" dirty="0" smtClean="0"/>
-              <a:t>数据：客户基础数据，户型、房子单价、总价；</a:t>
+              <a:t>选购多方博弈过程模拟；</a:t>
             </a:r>
             <a:endParaRPr lang="en-US" altLang="zh-CN" dirty="0" smtClean="0"/>
           </a:p>
@@ -9002,9 +9087,9 @@
             </a:pPr>
             <a:r>
               <a:rPr lang="zh-CN" altLang="en-US" dirty="0" smtClean="0"/>
-              <a:t>问卷：客户家庭人口、汽车数量、汽车品牌，客户需要几个车位；</a:t>
-            </a:r>
-            <a:endParaRPr lang="en-US" altLang="zh-CN" dirty="0" smtClean="0"/>
+              <a:t>分期，销控手段的模拟；出售比例要求，这些都影响定价策略；</a:t>
+            </a:r>
+            <a:endParaRPr lang="en-US" altLang="zh-CN" dirty="0"/>
           </a:p>
           <a:p>
             <a:pPr marL="914400" lvl="1" indent="-457200">
@@ -9013,7 +9098,7 @@
             </a:pPr>
             <a:r>
               <a:rPr lang="zh-CN" altLang="en-US" dirty="0" smtClean="0"/>
-              <a:t>处理数据，分析客户在城市人口中的相对收入位置</a:t>
+              <a:t>考虑客户感受，风险管控，避免各期价格过大波动。</a:t>
             </a:r>
             <a:endParaRPr lang="en-US" altLang="zh-CN" dirty="0" smtClean="0"/>
           </a:p>
@@ -9024,44 +9109,7 @@
             </a:pPr>
             <a:r>
               <a:rPr lang="zh-CN" altLang="en-US" dirty="0" smtClean="0"/>
-              <a:t>园区外停车供应调研：</a:t>
-            </a:r>
-            <a:endParaRPr lang="en-US" altLang="zh-CN" dirty="0" smtClean="0"/>
-          </a:p>
-          <a:p>
-            <a:pPr marL="914400" lvl="1" indent="-457200">
-              <a:buFont typeface="+mj-lt"/>
-              <a:buAutoNum type="arabicPeriod"/>
-            </a:pPr>
-            <a:r>
-              <a:rPr lang="en-US" altLang="zh-CN" dirty="0" smtClean="0"/>
-              <a:t>500</a:t>
-            </a:r>
-            <a:r>
-              <a:rPr lang="zh-CN" altLang="en-US" dirty="0" smtClean="0"/>
-              <a:t>米内街头停车位数量、价格、交通强制水平；</a:t>
-            </a:r>
-            <a:endParaRPr lang="en-US" altLang="zh-CN" dirty="0" smtClean="0"/>
-          </a:p>
-          <a:p>
-            <a:pPr marL="914400" lvl="1" indent="-457200">
-              <a:buFont typeface="+mj-lt"/>
-              <a:buAutoNum type="arabicPeriod"/>
-            </a:pPr>
-            <a:r>
-              <a:rPr lang="zh-CN" altLang="en-US" dirty="0" smtClean="0"/>
-              <a:t>街道状态的中期预期；</a:t>
-            </a:r>
-            <a:endParaRPr lang="en-US" altLang="zh-CN" dirty="0" smtClean="0"/>
-          </a:p>
-          <a:p>
-            <a:pPr marL="914400" lvl="1" indent="-457200">
-              <a:buFont typeface="+mj-lt"/>
-              <a:buAutoNum type="arabicPeriod"/>
-            </a:pPr>
-            <a:r>
-              <a:rPr lang="zh-CN" altLang="en-US" dirty="0" smtClean="0"/>
-              <a:t>友商售价、社会车位租金、周边小区车位转租价格；</a:t>
+              <a:t>检查模型和项目现实匹配度，并调整参数。</a:t>
             </a:r>
             <a:endParaRPr lang="en-US" altLang="zh-CN" dirty="0" smtClean="0"/>
           </a:p>
@@ -9072,47 +9120,22 @@
             </a:pPr>
             <a:r>
               <a:rPr lang="zh-CN" altLang="en-US" dirty="0" smtClean="0"/>
-              <a:t>地段信息，重点关注入住率：</a:t>
+              <a:t>重复模拟。</a:t>
             </a:r>
             <a:endParaRPr lang="en-US" altLang="zh-CN" dirty="0" smtClean="0"/>
           </a:p>
           <a:p>
-            <a:pPr marL="457200" lvl="1" indent="0">
+            <a:pPr marL="0" indent="0">
               <a:buNone/>
             </a:pPr>
-            <a:r>
-              <a:rPr lang="zh-CN" altLang="en-US" dirty="0" smtClean="0"/>
-              <a:t>周边入住率、教育配套、商业配套完善度；</a:t>
-            </a:r>
             <a:endParaRPr lang="en-US" altLang="zh-CN" dirty="0" smtClean="0"/>
-          </a:p>
-          <a:p>
-            <a:pPr marL="457200" indent="-457200">
-              <a:buFont typeface="+mj-lt"/>
-              <a:buAutoNum type="arabicPeriod"/>
-            </a:pPr>
-            <a:r>
-              <a:rPr lang="zh-CN" altLang="en-US" dirty="0" smtClean="0"/>
-              <a:t>销售计划：</a:t>
-            </a:r>
-            <a:endParaRPr lang="en-US" altLang="zh-CN" dirty="0" smtClean="0"/>
-          </a:p>
-          <a:p>
-            <a:pPr marL="457200" lvl="1" indent="0">
-              <a:buNone/>
-            </a:pPr>
-            <a:r>
-              <a:rPr lang="zh-CN" altLang="en-US" dirty="0" smtClean="0"/>
-              <a:t>住宅销售计划和进度、车位销售目标、车位销控方式</a:t>
-            </a:r>
-            <a:endParaRPr lang="en-US" dirty="0"/>
           </a:p>
         </p:txBody>
       </p:sp>
     </p:spTree>
     <p:extLst>
       <p:ext uri="{BB962C8B-B14F-4D97-AF65-F5344CB8AC3E}">
-        <p14:creationId xmlns:p14="http://schemas.microsoft.com/office/powerpoint/2010/main" val="1249574181"/>
+        <p14:creationId xmlns:p14="http://schemas.microsoft.com/office/powerpoint/2010/main" val="311261492"/>
       </p:ext>
     </p:extLst>
   </p:cSld>
@@ -9169,6 +9192,281 @@
             </a:r>
             <a:r>
               <a:rPr lang="zh-CN" altLang="en-US" dirty="0" smtClean="0"/>
+              <a:t>调研事项和输入条件收集</a:t>
+            </a:r>
+            <a:r>
+              <a:rPr lang="en-US" altLang="zh-CN" dirty="0" smtClean="0"/>
+              <a:t>】</a:t>
+            </a:r>
+            <a:endParaRPr lang="en-US" dirty="0"/>
+          </a:p>
+        </p:txBody>
+      </p:sp>
+      <p:sp>
+        <p:nvSpPr>
+          <p:cNvPr id="5" name="内容占位符 4"/>
+          <p:cNvSpPr>
+            <a:spLocks noGrp="1"/>
+          </p:cNvSpPr>
+          <p:nvPr>
+            <p:ph idx="1"/>
+          </p:nvPr>
+        </p:nvSpPr>
+        <p:spPr/>
+        <p:txBody>
+          <a:bodyPr>
+            <a:normAutofit fontScale="92500" lnSpcReduction="10000"/>
+          </a:bodyPr>
+          <a:lstStyle/>
+          <a:p>
+            <a:pPr marL="457200" indent="-457200">
+              <a:buFont typeface="+mj-lt"/>
+              <a:buAutoNum type="arabicPeriod"/>
+            </a:pPr>
+            <a:r>
+              <a:rPr lang="zh-CN" altLang="en-US" dirty="0"/>
+              <a:t>方案基础</a:t>
+            </a:r>
+            <a:r>
+              <a:rPr lang="zh-CN" altLang="en-US" dirty="0" smtClean="0"/>
+              <a:t>信息：</a:t>
+            </a:r>
+            <a:endParaRPr lang="en-US" altLang="zh-CN" dirty="0" smtClean="0"/>
+          </a:p>
+          <a:p>
+            <a:pPr marL="914400" lvl="1" indent="-457200">
+              <a:buFont typeface="+mj-lt"/>
+              <a:buAutoNum type="arabicPeriod"/>
+            </a:pPr>
+            <a:r>
+              <a:rPr lang="zh-CN" altLang="en-US" dirty="0"/>
+              <a:t>各单元户数，每户单价、</a:t>
+            </a:r>
+            <a:r>
+              <a:rPr lang="zh-CN" altLang="en-US" dirty="0" smtClean="0"/>
+              <a:t>总价</a:t>
+            </a:r>
+            <a:r>
+              <a:rPr lang="zh-CN" altLang="en-US" dirty="0"/>
+              <a:t>；</a:t>
+            </a:r>
+            <a:endParaRPr lang="en-US" altLang="zh-CN" dirty="0" smtClean="0"/>
+          </a:p>
+          <a:p>
+            <a:pPr marL="914400" lvl="1" indent="-457200">
+              <a:buFont typeface="+mj-lt"/>
+              <a:buAutoNum type="arabicPeriod"/>
+            </a:pPr>
+            <a:r>
+              <a:rPr lang="zh-CN" altLang="en-US" dirty="0" smtClean="0"/>
+              <a:t>已</a:t>
+            </a:r>
+            <a:r>
+              <a:rPr lang="zh-CN" altLang="en-US" dirty="0"/>
+              <a:t>售出每户</a:t>
+            </a:r>
+            <a:r>
+              <a:rPr lang="zh-CN" altLang="en-US" dirty="0" smtClean="0"/>
+              <a:t>客户调研和数据；</a:t>
+            </a:r>
+            <a:endParaRPr lang="en-US" altLang="zh-CN" dirty="0" smtClean="0"/>
+          </a:p>
+          <a:p>
+            <a:pPr marL="457200" indent="-457200">
+              <a:buFont typeface="+mj-lt"/>
+              <a:buAutoNum type="arabicPeriod"/>
+            </a:pPr>
+            <a:r>
+              <a:rPr lang="zh-CN" altLang="en-US" dirty="0" smtClean="0"/>
+              <a:t>对成交客户的统计和访谈：</a:t>
+            </a:r>
+            <a:endParaRPr lang="en-US" altLang="zh-CN" dirty="0" smtClean="0"/>
+          </a:p>
+          <a:p>
+            <a:pPr marL="914400" lvl="1" indent="-457200">
+              <a:buFont typeface="+mj-lt"/>
+              <a:buAutoNum type="arabicPeriod"/>
+            </a:pPr>
+            <a:r>
+              <a:rPr lang="zh-CN" altLang="en-US" dirty="0" smtClean="0"/>
+              <a:t>数据：客户基础数据，户型、房子单价、总价；</a:t>
+            </a:r>
+            <a:endParaRPr lang="en-US" altLang="zh-CN" dirty="0" smtClean="0"/>
+          </a:p>
+          <a:p>
+            <a:pPr marL="914400" lvl="1" indent="-457200">
+              <a:buFont typeface="+mj-lt"/>
+              <a:buAutoNum type="arabicPeriod"/>
+            </a:pPr>
+            <a:r>
+              <a:rPr lang="zh-CN" altLang="en-US" dirty="0" smtClean="0"/>
+              <a:t>问卷：客户家庭人口、汽车数量、汽车品牌，客户需要几个车位；</a:t>
+            </a:r>
+            <a:endParaRPr lang="en-US" altLang="zh-CN" dirty="0" smtClean="0"/>
+          </a:p>
+          <a:p>
+            <a:pPr marL="914400" lvl="1" indent="-457200">
+              <a:buFont typeface="+mj-lt"/>
+              <a:buAutoNum type="arabicPeriod"/>
+            </a:pPr>
+            <a:r>
+              <a:rPr lang="zh-CN" altLang="en-US" dirty="0" smtClean="0"/>
+              <a:t>处理数据，分析客户在城市人口中的相对收入位置</a:t>
+            </a:r>
+            <a:endParaRPr lang="en-US" altLang="zh-CN" dirty="0" smtClean="0"/>
+          </a:p>
+          <a:p>
+            <a:pPr marL="457200" indent="-457200">
+              <a:buFont typeface="+mj-lt"/>
+              <a:buAutoNum type="arabicPeriod"/>
+            </a:pPr>
+            <a:r>
+              <a:rPr lang="zh-CN" altLang="en-US" dirty="0" smtClean="0"/>
+              <a:t>园区外停车供应调研：</a:t>
+            </a:r>
+            <a:endParaRPr lang="en-US" altLang="zh-CN" dirty="0" smtClean="0"/>
+          </a:p>
+          <a:p>
+            <a:pPr marL="914400" lvl="1" indent="-457200">
+              <a:buFont typeface="+mj-lt"/>
+              <a:buAutoNum type="arabicPeriod"/>
+            </a:pPr>
+            <a:r>
+              <a:rPr lang="en-US" altLang="zh-CN" dirty="0" smtClean="0"/>
+              <a:t>500</a:t>
+            </a:r>
+            <a:r>
+              <a:rPr lang="zh-CN" altLang="en-US" dirty="0" smtClean="0"/>
+              <a:t>米内街头停车位数量、价格、交通强制水平；</a:t>
+            </a:r>
+            <a:endParaRPr lang="en-US" altLang="zh-CN" dirty="0" smtClean="0"/>
+          </a:p>
+          <a:p>
+            <a:pPr marL="914400" lvl="1" indent="-457200">
+              <a:buFont typeface="+mj-lt"/>
+              <a:buAutoNum type="arabicPeriod"/>
+            </a:pPr>
+            <a:r>
+              <a:rPr lang="zh-CN" altLang="en-US" dirty="0" smtClean="0"/>
+              <a:t>街道状态的中期预期；</a:t>
+            </a:r>
+            <a:endParaRPr lang="en-US" altLang="zh-CN" dirty="0" smtClean="0"/>
+          </a:p>
+          <a:p>
+            <a:pPr marL="914400" lvl="1" indent="-457200">
+              <a:buFont typeface="+mj-lt"/>
+              <a:buAutoNum type="arabicPeriod"/>
+            </a:pPr>
+            <a:r>
+              <a:rPr lang="zh-CN" altLang="en-US" dirty="0" smtClean="0"/>
+              <a:t>友商售价、社会车位租金、周边小区车位转租价格；</a:t>
+            </a:r>
+            <a:endParaRPr lang="en-US" altLang="zh-CN" dirty="0" smtClean="0"/>
+          </a:p>
+          <a:p>
+            <a:pPr marL="457200" indent="-457200">
+              <a:buFont typeface="+mj-lt"/>
+              <a:buAutoNum type="arabicPeriod"/>
+            </a:pPr>
+            <a:r>
+              <a:rPr lang="zh-CN" altLang="en-US" dirty="0" smtClean="0"/>
+              <a:t>地段信息，重点关注入住率：</a:t>
+            </a:r>
+            <a:endParaRPr lang="en-US" altLang="zh-CN" dirty="0" smtClean="0"/>
+          </a:p>
+          <a:p>
+            <a:pPr marL="457200" lvl="1" indent="0">
+              <a:buNone/>
+            </a:pPr>
+            <a:r>
+              <a:rPr lang="zh-CN" altLang="en-US" dirty="0" smtClean="0"/>
+              <a:t>周边入住率、教育配套、商业配套完善度；</a:t>
+            </a:r>
+            <a:endParaRPr lang="en-US" altLang="zh-CN" dirty="0" smtClean="0"/>
+          </a:p>
+          <a:p>
+            <a:pPr marL="457200" indent="-457200">
+              <a:buFont typeface="+mj-lt"/>
+              <a:buAutoNum type="arabicPeriod"/>
+            </a:pPr>
+            <a:r>
+              <a:rPr lang="zh-CN" altLang="en-US" dirty="0" smtClean="0"/>
+              <a:t>销售计划：</a:t>
+            </a:r>
+            <a:endParaRPr lang="en-US" altLang="zh-CN" dirty="0" smtClean="0"/>
+          </a:p>
+          <a:p>
+            <a:pPr marL="457200" lvl="1" indent="0">
+              <a:buNone/>
+            </a:pPr>
+            <a:r>
+              <a:rPr lang="zh-CN" altLang="en-US" dirty="0" smtClean="0"/>
+              <a:t>住宅销售计划和进度、车位销售目标、车位销控方式</a:t>
+            </a:r>
+            <a:endParaRPr lang="en-US" dirty="0"/>
+          </a:p>
+        </p:txBody>
+      </p:sp>
+    </p:spTree>
+    <p:extLst>
+      <p:ext uri="{BB962C8B-B14F-4D97-AF65-F5344CB8AC3E}">
+        <p14:creationId xmlns:p14="http://schemas.microsoft.com/office/powerpoint/2010/main" val="1249574181"/>
+      </p:ext>
+    </p:extLst>
+  </p:cSld>
+  <p:clrMapOvr>
+    <a:masterClrMapping/>
+  </p:clrMapOvr>
+  <p:timing>
+    <p:tnLst>
+      <p:par>
+        <p:cTn id="1" dur="indefinite" restart="never" nodeType="tmRoot"/>
+      </p:par>
+    </p:tnLst>
+  </p:timing>
+</p:sld>
+</file>
+
+<file path=ppt/slides/slide18.xml><?xml version="1.0" encoding="utf-8"?>
+<p:sld xmlns:a="http://schemas.openxmlformats.org/drawingml/2006/main" xmlns:r="http://schemas.openxmlformats.org/officeDocument/2006/relationships" xmlns:p="http://schemas.openxmlformats.org/presentationml/2006/main">
+  <p:cSld>
+    <p:spTree>
+      <p:nvGrpSpPr>
+        <p:cNvPr id="1" name=""/>
+        <p:cNvGrpSpPr/>
+        <p:nvPr/>
+      </p:nvGrpSpPr>
+      <p:grpSpPr>
+        <a:xfrm>
+          <a:off x="0" y="0"/>
+          <a:ext cx="0" cy="0"/>
+          <a:chOff x="0" y="0"/>
+          <a:chExt cx="0" cy="0"/>
+        </a:xfrm>
+      </p:grpSpPr>
+      <p:sp>
+        <p:nvSpPr>
+          <p:cNvPr id="4" name="标题 3"/>
+          <p:cNvSpPr>
+            <a:spLocks noGrp="1"/>
+          </p:cNvSpPr>
+          <p:nvPr>
+            <p:ph type="title"/>
+          </p:nvPr>
+        </p:nvSpPr>
+        <p:spPr/>
+        <p:txBody>
+          <a:bodyPr>
+            <a:normAutofit/>
+          </a:bodyPr>
+          <a:lstStyle/>
+          <a:p>
+            <a:r>
+              <a:rPr lang="en-US" altLang="zh-CN" dirty="0" smtClean="0"/>
+              <a:t>【</a:t>
+            </a:r>
+            <a:r>
+              <a:rPr lang="zh-CN" altLang="en-US" dirty="0" smtClean="0"/>
               <a:t>数据和客户车位需求的相关性分析（以某为例）</a:t>
             </a:r>
             <a:r>
@@ -9335,7 +9633,7 @@
 </p:sld>
 </file>
 
-<file path=ppt/slides/slide18.xml><?xml version="1.0" encoding="utf-8"?>
+<file path=ppt/slides/slide19.xml><?xml version="1.0" encoding="utf-8"?>
 <p:sld xmlns:a="http://schemas.openxmlformats.org/drawingml/2006/main" xmlns:r="http://schemas.openxmlformats.org/officeDocument/2006/relationships" xmlns:p="http://schemas.openxmlformats.org/presentationml/2006/main">
   <p:cSld>
     <p:spTree>
@@ -9725,7 +10023,7 @@
 </p:sld>
 </file>
 
-<file path=ppt/slides/slide19.xml><?xml version="1.0" encoding="utf-8"?>
+<file path=ppt/slides/slide2.xml><?xml version="1.0" encoding="utf-8"?>
 <p:sld xmlns:a="http://schemas.openxmlformats.org/drawingml/2006/main" xmlns:r="http://schemas.openxmlformats.org/officeDocument/2006/relationships" xmlns:p="http://schemas.openxmlformats.org/presentationml/2006/main">
   <p:cSld>
     <p:spTree>
@@ -9744,6 +10042,266 @@
       </p:grpSpPr>
       <p:sp>
         <p:nvSpPr>
+          <p:cNvPr id="4" name="标题 3"/>
+          <p:cNvSpPr>
+            <a:spLocks noGrp="1"/>
+          </p:cNvSpPr>
+          <p:nvPr>
+            <p:ph type="title"/>
+          </p:nvPr>
+        </p:nvSpPr>
+        <p:spPr>
+          <a:xfrm>
+            <a:off x="831850" y="1381719"/>
+            <a:ext cx="10515600" cy="1713905"/>
+          </a:xfrm>
+        </p:spPr>
+        <p:txBody>
+          <a:bodyPr>
+            <a:normAutofit fontScale="90000"/>
+          </a:bodyPr>
+          <a:lstStyle/>
+          <a:p>
+            <a:r>
+              <a:rPr lang="zh-CN" altLang="en-US" dirty="0" smtClean="0"/>
+              <a:t>背景：</a:t>
+            </a:r>
+            <a:r>
+              <a:rPr lang="en-US" altLang="zh-CN" dirty="0" smtClean="0"/>
+              <a:t/>
+            </a:r>
+            <a:br>
+              <a:rPr lang="en-US" altLang="zh-CN" dirty="0" smtClean="0"/>
+            </a:br>
+            <a:r>
+              <a:rPr lang="en-US" altLang="zh-CN" dirty="0" smtClean="0"/>
+              <a:t/>
+            </a:r>
+            <a:br>
+              <a:rPr lang="en-US" altLang="zh-CN" dirty="0" smtClean="0"/>
+            </a:br>
+            <a:endParaRPr lang="en-US" dirty="0"/>
+          </a:p>
+        </p:txBody>
+      </p:sp>
+      <p:sp>
+        <p:nvSpPr>
+          <p:cNvPr id="6" name="内容占位符 4"/>
+          <p:cNvSpPr>
+            <a:spLocks noGrp="1"/>
+          </p:cNvSpPr>
+          <p:nvPr>
+            <p:ph type="body" idx="1"/>
+          </p:nvPr>
+        </p:nvSpPr>
+        <p:spPr>
+          <a:xfrm>
+            <a:off x="831850" y="2057401"/>
+            <a:ext cx="10515600" cy="3346450"/>
+          </a:xfrm>
+        </p:spPr>
+        <p:txBody>
+          <a:bodyPr>
+            <a:normAutofit/>
+          </a:bodyPr>
+          <a:lstStyle/>
+          <a:p>
+            <a:pPr marL="457200" indent="-457200">
+              <a:buFont typeface="+mj-lt"/>
+              <a:buAutoNum type="arabicPeriod"/>
+            </a:pPr>
+            <a:r>
+              <a:rPr lang="zh-CN" altLang="en-US" sz="3600" dirty="0">
+                <a:solidFill>
+                  <a:schemeClr val="tx1">
+                    <a:lumMod val="65000"/>
+                    <a:lumOff val="35000"/>
+                  </a:schemeClr>
+                </a:solidFill>
+              </a:rPr>
+              <a:t>地产行业已建、在建</a:t>
+            </a:r>
+            <a:r>
+              <a:rPr lang="zh-CN" altLang="en-US" sz="3600" dirty="0" smtClean="0">
+                <a:solidFill>
+                  <a:schemeClr val="tx1">
+                    <a:lumMod val="65000"/>
+                    <a:lumOff val="35000"/>
+                  </a:schemeClr>
+                </a:solidFill>
+              </a:rPr>
+              <a:t>地下车库</a:t>
+            </a:r>
+            <a:r>
+              <a:rPr lang="zh-CN" altLang="en-US" sz="3600" dirty="0">
+                <a:solidFill>
+                  <a:schemeClr val="tx1">
+                    <a:lumMod val="65000"/>
+                    <a:lumOff val="35000"/>
+                  </a:schemeClr>
+                </a:solidFill>
+              </a:rPr>
+              <a:t>库存</a:t>
+            </a:r>
+            <a:r>
+              <a:rPr lang="zh-CN" altLang="en-US" sz="3600" dirty="0" smtClean="0">
+                <a:solidFill>
+                  <a:schemeClr val="tx1">
+                    <a:lumMod val="65000"/>
+                    <a:lumOff val="35000"/>
+                  </a:schemeClr>
+                </a:solidFill>
+              </a:rPr>
+              <a:t>巨大</a:t>
+            </a:r>
+            <a:r>
+              <a:rPr lang="zh-CN" altLang="en-US" sz="3600" dirty="0">
+                <a:solidFill>
+                  <a:schemeClr val="tx1">
+                    <a:lumMod val="65000"/>
+                    <a:lumOff val="35000"/>
+                  </a:schemeClr>
+                </a:solidFill>
+              </a:rPr>
+              <a:t>。全行业此类库存在万亿元数量级</a:t>
+            </a:r>
+            <a:r>
+              <a:rPr lang="zh-CN" altLang="en-US" sz="3600" dirty="0" smtClean="0">
+                <a:solidFill>
+                  <a:schemeClr val="tx1">
+                    <a:lumMod val="65000"/>
+                    <a:lumOff val="35000"/>
+                  </a:schemeClr>
+                </a:solidFill>
+              </a:rPr>
+              <a:t>。</a:t>
+            </a:r>
+            <a:endParaRPr lang="en-US" altLang="zh-CN" sz="3600" dirty="0" smtClean="0">
+              <a:solidFill>
+                <a:schemeClr val="tx1">
+                  <a:lumMod val="65000"/>
+                  <a:lumOff val="35000"/>
+                </a:schemeClr>
+              </a:solidFill>
+            </a:endParaRPr>
+          </a:p>
+          <a:p>
+            <a:pPr marL="457200" indent="-457200">
+              <a:buFont typeface="+mj-lt"/>
+              <a:buAutoNum type="arabicPeriod"/>
+            </a:pPr>
+            <a:r>
+              <a:rPr lang="zh-CN" altLang="en-US" sz="3600" dirty="0" smtClean="0">
+                <a:solidFill>
+                  <a:schemeClr val="tx1">
+                    <a:lumMod val="65000"/>
+                    <a:lumOff val="35000"/>
+                  </a:schemeClr>
+                </a:solidFill>
+              </a:rPr>
+              <a:t>地库销售管理</a:t>
+            </a:r>
+            <a:r>
+              <a:rPr lang="zh-CN" altLang="en-US" sz="3600" dirty="0">
+                <a:solidFill>
+                  <a:schemeClr val="tx1">
+                    <a:lumMod val="65000"/>
+                    <a:lumOff val="35000"/>
+                  </a:schemeClr>
+                </a:solidFill>
+              </a:rPr>
+              <a:t>难度大，管理</a:t>
+            </a:r>
+            <a:r>
+              <a:rPr lang="zh-CN" altLang="en-US" sz="3600" dirty="0" smtClean="0">
+                <a:solidFill>
+                  <a:schemeClr val="tx1">
+                    <a:lumMod val="65000"/>
+                    <a:lumOff val="35000"/>
+                  </a:schemeClr>
+                </a:solidFill>
+              </a:rPr>
+              <a:t>投入普遍不足。</a:t>
+            </a:r>
+            <a:endParaRPr lang="en-US" altLang="zh-CN" sz="3600" dirty="0" smtClean="0">
+              <a:solidFill>
+                <a:schemeClr val="tx1">
+                  <a:lumMod val="65000"/>
+                  <a:lumOff val="35000"/>
+                </a:schemeClr>
+              </a:solidFill>
+            </a:endParaRPr>
+          </a:p>
+          <a:p>
+            <a:pPr marL="457200" indent="-457200">
+              <a:buFont typeface="+mj-lt"/>
+              <a:buAutoNum type="arabicPeriod"/>
+            </a:pPr>
+            <a:r>
+              <a:rPr lang="zh-CN" altLang="en-US" sz="3600" dirty="0" smtClean="0">
+                <a:solidFill>
+                  <a:schemeClr val="tx1">
+                    <a:lumMod val="65000"/>
+                    <a:lumOff val="35000"/>
+                  </a:schemeClr>
+                </a:solidFill>
+              </a:rPr>
+              <a:t>价格</a:t>
+            </a:r>
+            <a:r>
+              <a:rPr lang="zh-CN" altLang="en-US" sz="3600" dirty="0">
+                <a:solidFill>
+                  <a:schemeClr val="tx1">
+                    <a:lumMod val="65000"/>
+                    <a:lumOff val="35000"/>
+                  </a:schemeClr>
+                </a:solidFill>
+              </a:rPr>
+              <a:t>均衡性和透明度造成了价值流失问题和客户信任问题。</a:t>
+            </a:r>
+            <a:endParaRPr lang="en-US" sz="3600" dirty="0"/>
+          </a:p>
+        </p:txBody>
+      </p:sp>
+    </p:spTree>
+    <p:extLst>
+      <p:ext uri="{BB962C8B-B14F-4D97-AF65-F5344CB8AC3E}">
+        <p14:creationId xmlns:p14="http://schemas.microsoft.com/office/powerpoint/2010/main" val="3135557417"/>
+      </p:ext>
+    </p:extLst>
+  </p:cSld>
+  <p:clrMapOvr>
+    <a:masterClrMapping/>
+  </p:clrMapOvr>
+  <p:timing>
+    <p:tnLst>
+      <p:par>
+        <p:cTn id="1" dur="indefinite" restart="never" nodeType="tmRoot"/>
+      </p:par>
+    </p:tnLst>
+  </p:timing>
+</p:sld>
+</file>
+
+<file path=ppt/slides/slide20.xml><?xml version="1.0" encoding="utf-8"?>
+<p:sld xmlns:a="http://schemas.openxmlformats.org/drawingml/2006/main" xmlns:r="http://schemas.openxmlformats.org/officeDocument/2006/relationships" xmlns:p="http://schemas.openxmlformats.org/presentationml/2006/main">
+  <p:cSld>
+    <p:spTree>
+      <p:nvGrpSpPr>
+        <p:cNvPr id="1" name=""/>
+        <p:cNvGrpSpPr/>
+        <p:nvPr/>
+      </p:nvGrpSpPr>
+      <p:grpSpPr>
+        <a:xfrm>
+          <a:off x="0" y="0"/>
+          <a:ext cx="0" cy="0"/>
+          <a:chOff x="0" y="0"/>
+          <a:chExt cx="0" cy="0"/>
+        </a:xfrm>
+      </p:grpSpPr>
+      <p:sp>
+        <p:nvSpPr>
           <p:cNvPr id="2" name="标题 1"/>
           <p:cNvSpPr>
             <a:spLocks noGrp="1"/>
@@ -9808,11 +10366,7 @@
             </a:pPr>
             <a:r>
               <a:rPr lang="zh-CN" altLang="en-US" sz="1400" dirty="0" smtClean="0"/>
-              <a:t>地下两层</a:t>
-            </a:r>
-            <a:r>
-              <a:rPr lang="zh-CN" altLang="en-US" sz="1400" dirty="0" smtClean="0"/>
-              <a:t>全部一次打开模拟</a:t>
+              <a:t>地下两层全部一次打开模拟</a:t>
             </a:r>
             <a:r>
               <a:rPr lang="zh-CN" altLang="en-US" sz="1400" dirty="0"/>
@@ -9920,11 +10474,7 @@
             </a:r>
             <a:r>
               <a:rPr lang="zh-CN" altLang="en-US" sz="1400" dirty="0" smtClean="0"/>
-              <a:t>个</a:t>
-            </a:r>
-            <a:r>
-              <a:rPr lang="zh-CN" altLang="en-US" sz="1400" dirty="0" smtClean="0"/>
-              <a:t>；</a:t>
+              <a:t>个；</a:t>
             </a:r>
             <a:endParaRPr lang="en-US" altLang="zh-CN" sz="1400" dirty="0" smtClean="0"/>
           </a:p>
@@ -9951,13 +10501,8 @@
             </a:r>
             <a:r>
               <a:rPr lang="en-US" altLang="zh-CN" sz="1400" dirty="0" smtClean="0"/>
-              <a:t>66</a:t>
-            </a:r>
-            <a:r>
-              <a:rPr lang="en-US" altLang="zh-CN" sz="1400" dirty="0" smtClean="0"/>
-              <a:t>%</a:t>
-            </a:r>
-            <a:endParaRPr lang="en-US" altLang="zh-CN" sz="1400" dirty="0" smtClean="0"/>
+              <a:t>66%</a:t>
+            </a:r>
           </a:p>
           <a:p>
             <a:pPr marL="457200" lvl="1" indent="-228600">
@@ -9982,11 +10527,7 @@
             </a:r>
             <a:r>
               <a:rPr lang="zh-CN" altLang="en-US" sz="1400" dirty="0" smtClean="0"/>
-              <a:t>万</a:t>
-            </a:r>
-            <a:r>
-              <a:rPr lang="zh-CN" altLang="en-US" sz="1400" dirty="0" smtClean="0"/>
-              <a:t>元；</a:t>
+              <a:t>万元；</a:t>
             </a:r>
             <a:endParaRPr lang="en-US" altLang="zh-CN" sz="1400" dirty="0" smtClean="0"/>
           </a:p>
@@ -10013,11 +10554,7 @@
             </a:r>
             <a:r>
               <a:rPr lang="zh-CN" altLang="en-US" sz="1400" dirty="0" smtClean="0"/>
-              <a:t>元</a:t>
-            </a:r>
-            <a:r>
-              <a:rPr lang="zh-CN" altLang="en-US" sz="1400" dirty="0" smtClean="0"/>
-              <a:t>；</a:t>
+              <a:t>元；</a:t>
             </a:r>
             <a:endParaRPr lang="en-US" altLang="zh-CN" sz="1400" dirty="0"/>
           </a:p>
@@ -10101,7 +10638,7 @@
 </p:sld>
 </file>
 
-<file path=ppt/slides/slide2.xml><?xml version="1.0" encoding="utf-8"?>
+<file path=ppt/slides/slide21.xml><?xml version="1.0" encoding="utf-8"?>
 <p:sld xmlns:a="http://schemas.openxmlformats.org/drawingml/2006/main" xmlns:r="http://schemas.openxmlformats.org/officeDocument/2006/relationships" xmlns:p="http://schemas.openxmlformats.org/presentationml/2006/main">
   <p:cSld>
     <p:spTree>
@@ -10120,266 +10657,6 @@
       </p:grpSpPr>
       <p:sp>
         <p:nvSpPr>
-          <p:cNvPr id="4" name="标题 3"/>
-          <p:cNvSpPr>
-            <a:spLocks noGrp="1"/>
-          </p:cNvSpPr>
-          <p:nvPr>
-            <p:ph type="title"/>
-          </p:nvPr>
-        </p:nvSpPr>
-        <p:spPr>
-          <a:xfrm>
-            <a:off x="831850" y="1381719"/>
-            <a:ext cx="10515600" cy="1713905"/>
-          </a:xfrm>
-        </p:spPr>
-        <p:txBody>
-          <a:bodyPr>
-            <a:normAutofit fontScale="90000"/>
-          </a:bodyPr>
-          <a:lstStyle/>
-          <a:p>
-            <a:r>
-              <a:rPr lang="zh-CN" altLang="en-US" dirty="0" smtClean="0"/>
-              <a:t>背景：</a:t>
-            </a:r>
-            <a:r>
-              <a:rPr lang="en-US" altLang="zh-CN" dirty="0" smtClean="0"/>
-              <a:t/>
-            </a:r>
-            <a:br>
-              <a:rPr lang="en-US" altLang="zh-CN" dirty="0" smtClean="0"/>
-            </a:br>
-            <a:r>
-              <a:rPr lang="en-US" altLang="zh-CN" dirty="0" smtClean="0"/>
-              <a:t/>
-            </a:r>
-            <a:br>
-              <a:rPr lang="en-US" altLang="zh-CN" dirty="0" smtClean="0"/>
-            </a:br>
-            <a:endParaRPr lang="en-US" dirty="0"/>
-          </a:p>
-        </p:txBody>
-      </p:sp>
-      <p:sp>
-        <p:nvSpPr>
-          <p:cNvPr id="6" name="内容占位符 4"/>
-          <p:cNvSpPr>
-            <a:spLocks noGrp="1"/>
-          </p:cNvSpPr>
-          <p:nvPr>
-            <p:ph type="body" idx="1"/>
-          </p:nvPr>
-        </p:nvSpPr>
-        <p:spPr>
-          <a:xfrm>
-            <a:off x="831850" y="2057401"/>
-            <a:ext cx="10515600" cy="3346450"/>
-          </a:xfrm>
-        </p:spPr>
-        <p:txBody>
-          <a:bodyPr>
-            <a:normAutofit/>
-          </a:bodyPr>
-          <a:lstStyle/>
-          <a:p>
-            <a:pPr marL="457200" indent="-457200">
-              <a:buFont typeface="+mj-lt"/>
-              <a:buAutoNum type="arabicPeriod"/>
-            </a:pPr>
-            <a:r>
-              <a:rPr lang="zh-CN" altLang="en-US" sz="3600" dirty="0">
-                <a:solidFill>
-                  <a:schemeClr val="tx1">
-                    <a:lumMod val="65000"/>
-                    <a:lumOff val="35000"/>
-                  </a:schemeClr>
-                </a:solidFill>
-              </a:rPr>
-              <a:t>地产行业已建、在建</a:t>
-            </a:r>
-            <a:r>
-              <a:rPr lang="zh-CN" altLang="en-US" sz="3600" dirty="0" smtClean="0">
-                <a:solidFill>
-                  <a:schemeClr val="tx1">
-                    <a:lumMod val="65000"/>
-                    <a:lumOff val="35000"/>
-                  </a:schemeClr>
-                </a:solidFill>
-              </a:rPr>
-              <a:t>地下车库</a:t>
-            </a:r>
-            <a:r>
-              <a:rPr lang="zh-CN" altLang="en-US" sz="3600" dirty="0">
-                <a:solidFill>
-                  <a:schemeClr val="tx1">
-                    <a:lumMod val="65000"/>
-                    <a:lumOff val="35000"/>
-                  </a:schemeClr>
-                </a:solidFill>
-              </a:rPr>
-              <a:t>库存</a:t>
-            </a:r>
-            <a:r>
-              <a:rPr lang="zh-CN" altLang="en-US" sz="3600" dirty="0" smtClean="0">
-                <a:solidFill>
-                  <a:schemeClr val="tx1">
-                    <a:lumMod val="65000"/>
-                    <a:lumOff val="35000"/>
-                  </a:schemeClr>
-                </a:solidFill>
-              </a:rPr>
-              <a:t>巨大</a:t>
-            </a:r>
-            <a:r>
-              <a:rPr lang="zh-CN" altLang="en-US" sz="3600" dirty="0">
-                <a:solidFill>
-                  <a:schemeClr val="tx1">
-                    <a:lumMod val="65000"/>
-                    <a:lumOff val="35000"/>
-                  </a:schemeClr>
-                </a:solidFill>
-              </a:rPr>
-              <a:t>。全行业此类库存在万亿元数量级</a:t>
-            </a:r>
-            <a:r>
-              <a:rPr lang="zh-CN" altLang="en-US" sz="3600" dirty="0" smtClean="0">
-                <a:solidFill>
-                  <a:schemeClr val="tx1">
-                    <a:lumMod val="65000"/>
-                    <a:lumOff val="35000"/>
-                  </a:schemeClr>
-                </a:solidFill>
-              </a:rPr>
-              <a:t>。</a:t>
-            </a:r>
-            <a:endParaRPr lang="en-US" altLang="zh-CN" sz="3600" dirty="0" smtClean="0">
-              <a:solidFill>
-                <a:schemeClr val="tx1">
-                  <a:lumMod val="65000"/>
-                  <a:lumOff val="35000"/>
-                </a:schemeClr>
-              </a:solidFill>
-            </a:endParaRPr>
-          </a:p>
-          <a:p>
-            <a:pPr marL="457200" indent="-457200">
-              <a:buFont typeface="+mj-lt"/>
-              <a:buAutoNum type="arabicPeriod"/>
-            </a:pPr>
-            <a:r>
-              <a:rPr lang="zh-CN" altLang="en-US" sz="3600" dirty="0" smtClean="0">
-                <a:solidFill>
-                  <a:schemeClr val="tx1">
-                    <a:lumMod val="65000"/>
-                    <a:lumOff val="35000"/>
-                  </a:schemeClr>
-                </a:solidFill>
-              </a:rPr>
-              <a:t>地库销售管理</a:t>
-            </a:r>
-            <a:r>
-              <a:rPr lang="zh-CN" altLang="en-US" sz="3600" dirty="0">
-                <a:solidFill>
-                  <a:schemeClr val="tx1">
-                    <a:lumMod val="65000"/>
-                    <a:lumOff val="35000"/>
-                  </a:schemeClr>
-                </a:solidFill>
-              </a:rPr>
-              <a:t>难度大，管理</a:t>
-            </a:r>
-            <a:r>
-              <a:rPr lang="zh-CN" altLang="en-US" sz="3600" dirty="0" smtClean="0">
-                <a:solidFill>
-                  <a:schemeClr val="tx1">
-                    <a:lumMod val="65000"/>
-                    <a:lumOff val="35000"/>
-                  </a:schemeClr>
-                </a:solidFill>
-              </a:rPr>
-              <a:t>投入普遍不足。</a:t>
-            </a:r>
-            <a:endParaRPr lang="en-US" altLang="zh-CN" sz="3600" dirty="0" smtClean="0">
-              <a:solidFill>
-                <a:schemeClr val="tx1">
-                  <a:lumMod val="65000"/>
-                  <a:lumOff val="35000"/>
-                </a:schemeClr>
-              </a:solidFill>
-            </a:endParaRPr>
-          </a:p>
-          <a:p>
-            <a:pPr marL="457200" indent="-457200">
-              <a:buFont typeface="+mj-lt"/>
-              <a:buAutoNum type="arabicPeriod"/>
-            </a:pPr>
-            <a:r>
-              <a:rPr lang="zh-CN" altLang="en-US" sz="3600" dirty="0" smtClean="0">
-                <a:solidFill>
-                  <a:schemeClr val="tx1">
-                    <a:lumMod val="65000"/>
-                    <a:lumOff val="35000"/>
-                  </a:schemeClr>
-                </a:solidFill>
-              </a:rPr>
-              <a:t>价格</a:t>
-            </a:r>
-            <a:r>
-              <a:rPr lang="zh-CN" altLang="en-US" sz="3600" dirty="0">
-                <a:solidFill>
-                  <a:schemeClr val="tx1">
-                    <a:lumMod val="65000"/>
-                    <a:lumOff val="35000"/>
-                  </a:schemeClr>
-                </a:solidFill>
-              </a:rPr>
-              <a:t>均衡性和透明度造成了价值流失问题和客户信任问题。</a:t>
-            </a:r>
-            <a:endParaRPr lang="en-US" sz="3600" dirty="0"/>
-          </a:p>
-        </p:txBody>
-      </p:sp>
-    </p:spTree>
-    <p:extLst>
-      <p:ext uri="{BB962C8B-B14F-4D97-AF65-F5344CB8AC3E}">
-        <p14:creationId xmlns:p14="http://schemas.microsoft.com/office/powerpoint/2010/main" val="3135557417"/>
-      </p:ext>
-    </p:extLst>
-  </p:cSld>
-  <p:clrMapOvr>
-    <a:masterClrMapping/>
-  </p:clrMapOvr>
-  <p:timing>
-    <p:tnLst>
-      <p:par>
-        <p:cTn id="1" dur="indefinite" restart="never" nodeType="tmRoot"/>
-      </p:par>
-    </p:tnLst>
-  </p:timing>
-</p:sld>
-</file>
-
-<file path=ppt/slides/slide20.xml><?xml version="1.0" encoding="utf-8"?>
-<p:sld xmlns:a="http://schemas.openxmlformats.org/drawingml/2006/main" xmlns:r="http://schemas.openxmlformats.org/officeDocument/2006/relationships" xmlns:p="http://schemas.openxmlformats.org/presentationml/2006/main">
-  <p:cSld>
-    <p:spTree>
-      <p:nvGrpSpPr>
-        <p:cNvPr id="1" name=""/>
-        <p:cNvGrpSpPr/>
-        <p:nvPr/>
-      </p:nvGrpSpPr>
-      <p:grpSpPr>
-        <a:xfrm>
-          <a:off x="0" y="0"/>
-          <a:ext cx="0" cy="0"/>
-          <a:chOff x="0" y="0"/>
-          <a:chExt cx="0" cy="0"/>
-        </a:xfrm>
-      </p:grpSpPr>
-      <p:sp>
-        <p:nvSpPr>
           <p:cNvPr id="2" name="标题 1"/>
           <p:cNvSpPr>
             <a:spLocks noGrp="1"/>
@@ -10444,11 +10721,7 @@
             </a:pPr>
             <a:r>
               <a:rPr lang="zh-CN" altLang="en-US" sz="1400" dirty="0" smtClean="0"/>
-              <a:t>只供出地下一层</a:t>
-            </a:r>
-            <a:r>
-              <a:rPr lang="zh-CN" altLang="en-US" sz="1400" dirty="0" smtClean="0"/>
-              <a:t>模拟</a:t>
+              <a:t>只供出地下一层模拟</a:t>
             </a:r>
             <a:r>
               <a:rPr lang="zh-CN" altLang="en-US" sz="1400" dirty="0"/>
@@ -10560,11 +10833,7 @@
             </a:r>
             <a:r>
               <a:rPr lang="zh-CN" altLang="en-US" sz="1400" dirty="0" smtClean="0"/>
-              <a:t>个</a:t>
-            </a:r>
-            <a:r>
-              <a:rPr lang="zh-CN" altLang="en-US" sz="1400" dirty="0" smtClean="0"/>
-              <a:t>；</a:t>
+              <a:t>个；</a:t>
             </a:r>
             <a:endParaRPr lang="en-US" altLang="zh-CN" sz="1400" dirty="0" smtClean="0"/>
           </a:p>
@@ -10591,13 +10860,8 @@
             </a:r>
             <a:r>
               <a:rPr lang="en-US" altLang="zh-CN" sz="1400" dirty="0" smtClean="0"/>
-              <a:t>96</a:t>
-            </a:r>
-            <a:r>
-              <a:rPr lang="en-US" altLang="zh-CN" sz="1400" dirty="0" smtClean="0"/>
-              <a:t>%</a:t>
-            </a:r>
-            <a:endParaRPr lang="en-US" altLang="zh-CN" sz="1400" dirty="0" smtClean="0"/>
+              <a:t>96%</a:t>
+            </a:r>
           </a:p>
           <a:p>
             <a:pPr marL="457200" lvl="1" indent="-228600">
@@ -10622,11 +10886,7 @@
             </a:r>
             <a:r>
               <a:rPr lang="zh-CN" altLang="en-US" sz="1400" dirty="0" smtClean="0"/>
-              <a:t>万</a:t>
-            </a:r>
-            <a:r>
-              <a:rPr lang="zh-CN" altLang="en-US" sz="1400" dirty="0" smtClean="0"/>
-              <a:t>元；</a:t>
+              <a:t>万元；</a:t>
             </a:r>
             <a:endParaRPr lang="en-US" altLang="zh-CN" sz="1400" dirty="0" smtClean="0"/>
           </a:p>
@@ -10653,15 +10913,7 @@
             </a:r>
             <a:r>
               <a:rPr lang="zh-CN" altLang="en-US" sz="1400" dirty="0" smtClean="0"/>
-              <a:t>万</a:t>
-            </a:r>
-            <a:r>
-              <a:rPr lang="zh-CN" altLang="en-US" sz="1400" dirty="0" smtClean="0"/>
-              <a:t>元</a:t>
-            </a:r>
-            <a:r>
-              <a:rPr lang="zh-CN" altLang="en-US" sz="1400" dirty="0" smtClean="0"/>
-              <a:t>；</a:t>
+              <a:t>万元；</a:t>
             </a:r>
             <a:endParaRPr lang="en-US" altLang="zh-CN" sz="1400" dirty="0"/>
           </a:p>
@@ -10716,7 +10968,7 @@
 </p:sld>
 </file>
 
-<file path=ppt/slides/slide21.xml><?xml version="1.0" encoding="utf-8"?>
+<file path=ppt/slides/slide22.xml><?xml version="1.0" encoding="utf-8"?>
 <p:sld xmlns:a="http://schemas.openxmlformats.org/drawingml/2006/main" xmlns:r="http://schemas.openxmlformats.org/officeDocument/2006/relationships" xmlns:p="http://schemas.openxmlformats.org/presentationml/2006/main">
   <p:cSld>
     <p:spTree>
@@ -10955,7 +11207,7 @@
 </p:sld>
 </file>
 
-<file path=ppt/slides/slide22.xml><?xml version="1.0" encoding="utf-8"?>
+<file path=ppt/slides/slide23.xml><?xml version="1.0" encoding="utf-8"?>
 <p:sld xmlns:a="http://schemas.openxmlformats.org/drawingml/2006/main" xmlns:r="http://schemas.openxmlformats.org/officeDocument/2006/relationships" xmlns:p="http://schemas.openxmlformats.org/presentationml/2006/main">
   <p:cSld>
     <p:spTree>
@@ -11105,15 +11357,7 @@
             </a:r>
             <a:r>
               <a:rPr lang="zh-CN" altLang="en-US" dirty="0" smtClean="0"/>
-              <a:t>的价格梯度合理，同时也</a:t>
-            </a:r>
-            <a:r>
-              <a:rPr lang="zh-CN" altLang="en-US" dirty="0" smtClean="0"/>
-              <a:t>能为开发者实现</a:t>
-            </a:r>
-            <a:r>
-              <a:rPr lang="zh-CN" altLang="en-US" dirty="0" smtClean="0"/>
-              <a:t>最大的销售额？</a:t>
+              <a:t>的价格梯度合理，同时也能为开发者实现最大的销售额？</a:t>
             </a:r>
             <a:endParaRPr lang="en-US" dirty="0"/>
           </a:p>
@@ -11174,11 +11418,7 @@
             </a:r>
             <a:r>
               <a:rPr lang="zh-CN" altLang="en-US" dirty="0" smtClean="0"/>
-              <a:t>亿，年出售车位</a:t>
-            </a:r>
-            <a:r>
-              <a:rPr lang="zh-CN" altLang="en-US" dirty="0" smtClean="0"/>
-              <a:t>目标金额约</a:t>
+              <a:t>亿，年出售车位目标金额约</a:t>
             </a:r>
             <a:r>
               <a:rPr lang="en-US" altLang="zh-CN" dirty="0" smtClean="0"/>
@@ -11186,11 +11426,7 @@
             </a:r>
             <a:r>
               <a:rPr lang="zh-CN" altLang="en-US" dirty="0" smtClean="0"/>
-              <a:t>亿。全行业</a:t>
-            </a:r>
-            <a:r>
-              <a:rPr lang="zh-CN" altLang="en-US" dirty="0" smtClean="0"/>
-              <a:t>车位库存在万亿数量级。</a:t>
+              <a:t>亿。全行业车位库存在万亿数量级。</a:t>
             </a:r>
             <a:endParaRPr lang="en-US" altLang="zh-CN" dirty="0" smtClean="0"/>
           </a:p>
@@ -11201,11 +11437,7 @@
             </a:pPr>
             <a:r>
               <a:rPr lang="zh-CN" altLang="en-US" dirty="0" smtClean="0"/>
-              <a:t>价格梯度设置不合理导致的去化不均衡比较常见</a:t>
-            </a:r>
-            <a:r>
-              <a:rPr lang="zh-CN" altLang="en-US" dirty="0" smtClean="0"/>
-              <a:t>。大比例的长期库存遭到低价处理。</a:t>
+              <a:t>价格梯度设置不合理导致的去化不均衡比较常见。大比例的长期库存遭到低价处理。</a:t>
             </a:r>
             <a:endParaRPr lang="en-US" altLang="zh-CN" dirty="0" smtClean="0"/>
           </a:p>
@@ -11291,15 +11523,7 @@
             </a:r>
             <a:r>
               <a:rPr lang="zh-CN" altLang="en-US" dirty="0" smtClean="0"/>
-              <a:t>：在规划阶段，如何优化平面布局，</a:t>
-            </a:r>
-            <a:r>
-              <a:rPr lang="zh-CN" altLang="en-US" dirty="0" smtClean="0"/>
-              <a:t>使各区域供求关系均衡；车位</a:t>
-            </a:r>
-            <a:r>
-              <a:rPr lang="zh-CN" altLang="en-US" dirty="0" smtClean="0"/>
-              <a:t>总体价值最大、最匹配客户的支付力和</a:t>
+              <a:t>：在规划阶段，如何优化平面布局，使各区域供求关系均衡；车位总体价值最大、最匹配客户的支付力和</a:t>
             </a:r>
             <a:r>
               <a:rPr lang="zh-CN" altLang="en-US" b="1" u="sng" dirty="0" smtClean="0"/>
@@ -11345,11 +11569,7 @@
             </a:r>
             <a:r>
               <a:rPr lang="zh-CN" altLang="en-US" sz="2000" dirty="0" smtClean="0"/>
-              <a:t>？一方面洋房区客户数量少、高层</a:t>
-            </a:r>
-            <a:r>
-              <a:rPr lang="zh-CN" altLang="en-US" sz="2000" dirty="0" smtClean="0"/>
-              <a:t>多；另一方面洋房</a:t>
+              <a:t>？一方面洋房区客户数量少、高层多；另一方面洋房</a:t>
             </a:r>
             <a:r>
               <a:rPr lang="zh-CN" altLang="en-US" sz="2000" dirty="0"/>
@@ -11376,27 +11596,11 @@
             </a:pPr>
             <a:r>
               <a:rPr lang="zh-CN" altLang="en-US" sz="2000" dirty="0"/>
-              <a:t>地面、街头车位</a:t>
-            </a:r>
-            <a:r>
-              <a:rPr lang="zh-CN" altLang="en-US" sz="2000" dirty="0"/>
-              <a:t>或者</a:t>
+              <a:t>地面、街头车位或者</a:t>
             </a:r>
             <a:r>
               <a:rPr lang="zh-CN" altLang="en-US" sz="2000" dirty="0" smtClean="0"/>
-              <a:t>停车楼的布置</a:t>
-            </a:r>
-            <a:r>
-              <a:rPr lang="zh-CN" altLang="en-US" sz="2000" dirty="0" smtClean="0"/>
-              <a:t>也影响供需关系，地面停车场和</a:t>
-            </a:r>
-            <a:r>
-              <a:rPr lang="zh-CN" altLang="en-US" sz="2000" dirty="0" smtClean="0"/>
-              <a:t>停车楼一侧</a:t>
-            </a:r>
-            <a:r>
-              <a:rPr lang="zh-CN" altLang="en-US" sz="2000" dirty="0" smtClean="0"/>
-              <a:t>的地</a:t>
+              <a:t>停车楼的布置也影响供需关系，地面停车场和停车楼一侧的地</a:t>
             </a:r>
             <a:r>
               <a:rPr lang="zh-CN" altLang="en-US" sz="2000" dirty="0"/>
@@ -11404,39 +11608,7 @@
             </a:r>
             <a:r>
               <a:rPr lang="zh-CN" altLang="en-US" sz="2000" dirty="0" smtClean="0"/>
-              <a:t>受到竞争挤压。街头</a:t>
-            </a:r>
-            <a:r>
-              <a:rPr lang="zh-CN" altLang="en-US" sz="2000" dirty="0" smtClean="0"/>
-              <a:t>车位充足</a:t>
-            </a:r>
-            <a:r>
-              <a:rPr lang="zh-CN" altLang="en-US" sz="2000" dirty="0" smtClean="0"/>
-              <a:t>导致相邻区域车位</a:t>
-            </a:r>
-            <a:r>
-              <a:rPr lang="zh-CN" altLang="en-US" sz="2000" dirty="0" smtClean="0"/>
-              <a:t>出售</a:t>
-            </a:r>
-            <a:r>
-              <a:rPr lang="zh-CN" altLang="en-US" sz="2000" dirty="0" smtClean="0"/>
-              <a:t>难</a:t>
-            </a:r>
-            <a:r>
-              <a:rPr lang="zh-CN" altLang="en-US" sz="2000" dirty="0" smtClean="0"/>
-              <a:t>。</a:t>
-            </a:r>
-            <a:r>
-              <a:rPr lang="zh-CN" altLang="en-US" sz="2000" dirty="0" smtClean="0"/>
-              <a:t>停车楼一侧</a:t>
-            </a:r>
-            <a:r>
-              <a:rPr lang="zh-CN" altLang="en-US" sz="2000" dirty="0" smtClean="0"/>
-              <a:t>停车位供应过大，应该减少布置</a:t>
-            </a:r>
-            <a:r>
-              <a:rPr lang="zh-CN" altLang="en-US" sz="2000" dirty="0" smtClean="0"/>
-              <a:t>。</a:t>
+              <a:t>受到竞争挤压。街头车位充足导致相邻区域车位出售难。停车楼一侧停车位供应过大，应该减少布置。</a:t>
             </a:r>
             <a:endParaRPr lang="en-US" altLang="zh-CN" sz="2000" dirty="0" smtClean="0"/>
           </a:p>
@@ -11577,11 +11749,7 @@
             </a:pPr>
             <a:r>
               <a:rPr lang="zh-CN" altLang="en-US" dirty="0" smtClean="0"/>
-              <a:t>价格</a:t>
-            </a:r>
-            <a:r>
-              <a:rPr lang="zh-CN" altLang="en-US" dirty="0" smtClean="0"/>
-              <a:t>决策缺乏工具，忽左忽右缺乏决策稳定性；</a:t>
+              <a:t>价格决策缺乏工具，忽左忽右缺乏决策稳定性；</a:t>
             </a:r>
             <a:endParaRPr lang="en-US" altLang="zh-CN" dirty="0" smtClean="0"/>
           </a:p>
@@ -11686,11 +11854,7 @@
           <a:p>
             <a:r>
               <a:rPr lang="zh-CN" altLang="en-US" b="0" dirty="0" smtClean="0"/>
-              <a:t>先高后低，过程</a:t>
-            </a:r>
-            <a:r>
-              <a:rPr lang="zh-CN" altLang="en-US" b="0" dirty="0" smtClean="0"/>
-              <a:t>逐步降价：</a:t>
+              <a:t>先高后低，过程逐步降价：</a:t>
             </a:r>
             <a:endParaRPr lang="en-US" altLang="zh-CN" b="0" dirty="0" smtClean="0"/>
           </a:p>
@@ -11700,11 +11864,7 @@
             </a:pPr>
             <a:r>
               <a:rPr lang="zh-CN" altLang="en-US" dirty="0" smtClean="0"/>
-              <a:t>初始定价未能取信客户，后续降价进一步让客户丧失信心</a:t>
-            </a:r>
-            <a:r>
-              <a:rPr lang="zh-CN" altLang="en-US" dirty="0" smtClean="0"/>
-              <a:t>，进入恶性循环。</a:t>
+              <a:t>初始定价未能取信客户，后续降价进一步让客户丧失信心，进入恶性循环。</a:t>
             </a:r>
             <a:endParaRPr lang="en-US" altLang="zh-CN" dirty="0" smtClean="0"/>
           </a:p>
@@ -11871,11 +12031,7 @@
             <a:pPr marL="914400" lvl="1" indent="-457200"/>
             <a:r>
               <a:rPr lang="zh-CN" altLang="en-US" b="1" dirty="0" smtClean="0"/>
-              <a:t>客户和车位是多选多的关系，每个车位</a:t>
-            </a:r>
-            <a:r>
-              <a:rPr lang="zh-CN" altLang="en-US" b="1" dirty="0" smtClean="0"/>
-              <a:t>对</a:t>
+              <a:t>客户和车位是多选多的关系，每个车位对</a:t>
             </a:r>
             <a:r>
               <a:rPr lang="zh-CN" altLang="en-US" b="1" dirty="0"/>
@@ -11883,15 +12039,7 @@
             </a:r>
             <a:r>
               <a:rPr lang="zh-CN" altLang="en-US" b="1" dirty="0" smtClean="0"/>
-              <a:t>客户</a:t>
-            </a:r>
-            <a:r>
-              <a:rPr lang="zh-CN" altLang="en-US" b="1" dirty="0" smtClean="0"/>
-              <a:t>的价值</a:t>
-            </a:r>
-            <a:r>
-              <a:rPr lang="zh-CN" altLang="en-US" b="1" dirty="0" smtClean="0"/>
-              <a:t>都是不同的。</a:t>
+              <a:t>客户的价值都是不同的。</a:t>
             </a:r>
             <a:endParaRPr lang="en-US" altLang="zh-CN" b="1" dirty="0" smtClean="0"/>
           </a:p>
@@ -11919,11 +12067,7 @@
             <a:pPr marL="914400" lvl="1" indent="-457200"/>
             <a:r>
               <a:rPr lang="zh-CN" altLang="en-US" dirty="0" smtClean="0"/>
-              <a:t>团队在操作中积累了大量经验，但是量化定价的考虑因素很多，涉及的变量造成手工计算过于繁琐</a:t>
-            </a:r>
-            <a:r>
-              <a:rPr lang="zh-CN" altLang="en-US" dirty="0" smtClean="0"/>
-              <a:t>。</a:t>
+              <a:t>团队在操作中积累了大量经验，但是量化定价的考虑因素很多，涉及的变量造成手工计算过于繁琐。</a:t>
             </a:r>
             <a:endParaRPr lang="en-US" altLang="zh-CN" dirty="0" smtClean="0"/>
           </a:p>
@@ -12061,15 +12205,7 @@
             </a:r>
             <a:r>
               <a:rPr lang="zh-CN" altLang="en-US" dirty="0" smtClean="0"/>
-              <a:t>，模拟</a:t>
-            </a:r>
-            <a:r>
-              <a:rPr lang="zh-CN" altLang="en-US" dirty="0" smtClean="0"/>
-              <a:t>客户</a:t>
-            </a:r>
-            <a:r>
-              <a:rPr lang="zh-CN" altLang="en-US" dirty="0" smtClean="0"/>
-              <a:t>整体的画像</a:t>
+              <a:t>，模拟客户整体的画像</a:t>
             </a:r>
             <a:r>
               <a:rPr lang="zh-CN" altLang="en-US" dirty="0"/>
@@ -12081,11 +12217,7 @@
             <a:pPr marL="914400" lvl="1" indent="-457200"/>
             <a:r>
               <a:rPr lang="zh-CN" altLang="en-US" dirty="0" smtClean="0"/>
-              <a:t>销售中，基于真实客户信息，对客户模型</a:t>
-            </a:r>
-            <a:r>
-              <a:rPr lang="zh-CN" altLang="en-US" dirty="0" smtClean="0"/>
-              <a:t>进行复核，修正。</a:t>
+              <a:t>销售中，基于真实客户信息，对客户模型进行复核，修正。</a:t>
             </a:r>
             <a:endParaRPr lang="en-US" altLang="zh-CN" dirty="0" smtClean="0"/>
           </a:p>
@@ -12133,15 +12265,7 @@
             <a:pPr marL="914400" lvl="1" indent="-457200"/>
             <a:r>
               <a:rPr lang="zh-CN" altLang="en-US" dirty="0" smtClean="0"/>
-              <a:t>可以</a:t>
-            </a:r>
-            <a:r>
-              <a:rPr lang="zh-CN" altLang="en-US" dirty="0" smtClean="0"/>
-              <a:t>设置不同经营目标</a:t>
-            </a:r>
-            <a:r>
-              <a:rPr lang="zh-CN" altLang="en-US" dirty="0" smtClean="0"/>
-              <a:t>（</a:t>
+              <a:t>可以设置不同经营目标（</a:t>
             </a:r>
             <a:r>
               <a:rPr lang="zh-CN" altLang="en-US" dirty="0"/>
@@ -12149,23 +12273,7 @@
             </a:r>
             <a:r>
               <a:rPr lang="zh-CN" altLang="en-US" dirty="0" smtClean="0"/>
-              <a:t>利润率、去化率），</a:t>
-            </a:r>
-            <a:r>
-              <a:rPr lang="zh-CN" altLang="en-US" dirty="0" smtClean="0"/>
-              <a:t>产生</a:t>
-            </a:r>
-            <a:r>
-              <a:rPr lang="zh-CN" altLang="en-US" dirty="0" smtClean="0"/>
-              <a:t>相应的</a:t>
-            </a:r>
-            <a:r>
-              <a:rPr lang="zh-CN" altLang="en-US" dirty="0" smtClean="0"/>
-              <a:t>定价</a:t>
-            </a:r>
-            <a:r>
-              <a:rPr lang="zh-CN" altLang="en-US" dirty="0" smtClean="0"/>
-              <a:t>方案。</a:t>
+              <a:t>利润率、去化率），产生相应的定价方案。</a:t>
             </a:r>
             <a:endParaRPr lang="en-US" altLang="zh-CN" dirty="0" smtClean="0"/>
           </a:p>
@@ -12173,11 +12281,7 @@
             <a:pPr marL="457200" indent="-457200"/>
             <a:r>
               <a:rPr lang="zh-CN" altLang="en-US" b="0" dirty="0" smtClean="0"/>
-              <a:t>直观的</a:t>
-            </a:r>
-            <a:r>
-              <a:rPr lang="zh-CN" altLang="en-US" b="0" dirty="0" smtClean="0"/>
-              <a:t>显示：</a:t>
+              <a:t>直观的显示：</a:t>
             </a:r>
             <a:endParaRPr lang="en-US" altLang="zh-CN" b="0" dirty="0" smtClean="0"/>
           </a:p>
@@ -12185,11 +12289,7 @@
             <a:pPr marL="914400" lvl="1" indent="-457200"/>
             <a:r>
               <a:rPr lang="zh-CN" altLang="en-US" dirty="0" smtClean="0"/>
-              <a:t>直观的图形显示，便于操盘人的理解和</a:t>
-            </a:r>
-            <a:r>
-              <a:rPr lang="zh-CN" altLang="en-US" dirty="0" smtClean="0"/>
-              <a:t>操作</a:t>
+              <a:t>直观的图形显示，便于操盘人的理解和操作</a:t>
             </a:r>
             <a:r>
               <a:rPr lang="zh-CN" altLang="en-US" dirty="0"/>
@@ -12403,15 +12503,7 @@
             </a:r>
             <a:r>
               <a:rPr lang="zh-CN" altLang="en-US" dirty="0" smtClean="0"/>
-              <a:t>）：保</a:t>
-            </a:r>
-            <a:r>
-              <a:rPr lang="zh-CN" altLang="en-US" dirty="0" smtClean="0"/>
-              <a:t>去化和保价格的方案对比</a:t>
-            </a:r>
-            <a:r>
-              <a:rPr lang="zh-CN" altLang="en-US" dirty="0" smtClean="0"/>
-              <a:t>。</a:t>
+              <a:t>）：保去化和保价格的方案对比。</a:t>
             </a:r>
             <a:endParaRPr lang="en-US" altLang="zh-CN" dirty="0" smtClean="0"/>
           </a:p>
@@ -12628,15 +12720,7 @@
                   <a:schemeClr val="bg1"/>
                 </a:solidFill>
               </a:rPr>
-              <a:t>洋房区域价格略高，设置符合客户的支付能力，</a:t>
-            </a:r>
-            <a:r>
-              <a:rPr lang="zh-CN" altLang="en-US" sz="1100" dirty="0" smtClean="0">
-                <a:solidFill>
-                  <a:schemeClr val="bg1"/>
-                </a:solidFill>
-              </a:rPr>
-              <a:t>和首置客户之间形成比较合理的梯度和渐变</a:t>
+              <a:t>洋房区域价格略高，设置符合客户的支付能力，和首置客户之间形成比较合理的梯度和渐变</a:t>
             </a:r>
             <a:endParaRPr lang="en-US" sz="1100" dirty="0">
               <a:solidFill>
